--- a/Cholesky.pptx
+++ b/Cholesky.pptx
@@ -6,10 +6,10 @@
     <p:sldMasterId id="2147483672" r:id="rId2"/>
   </p:sldMasterIdLst>
   <p:notesMasterIdLst>
-    <p:notesMasterId r:id="rId26"/>
+    <p:notesMasterId r:id="rId39"/>
   </p:notesMasterIdLst>
   <p:handoutMasterIdLst>
-    <p:handoutMasterId r:id="rId27"/>
+    <p:handoutMasterId r:id="rId40"/>
   </p:handoutMasterIdLst>
   <p:sldIdLst>
     <p:sldId id="256" r:id="rId3"/>
@@ -24,17 +24,30 @@
     <p:sldId id="288" r:id="rId12"/>
     <p:sldId id="289" r:id="rId13"/>
     <p:sldId id="267" r:id="rId14"/>
-    <p:sldId id="268" r:id="rId15"/>
-    <p:sldId id="271" r:id="rId16"/>
-    <p:sldId id="280" r:id="rId17"/>
-    <p:sldId id="281" r:id="rId18"/>
-    <p:sldId id="282" r:id="rId19"/>
-    <p:sldId id="283" r:id="rId20"/>
-    <p:sldId id="274" r:id="rId21"/>
-    <p:sldId id="275" r:id="rId22"/>
-    <p:sldId id="276" r:id="rId23"/>
-    <p:sldId id="277" r:id="rId24"/>
-    <p:sldId id="284" r:id="rId25"/>
+    <p:sldId id="290" r:id="rId15"/>
+    <p:sldId id="291" r:id="rId16"/>
+    <p:sldId id="292" r:id="rId17"/>
+    <p:sldId id="293" r:id="rId18"/>
+    <p:sldId id="268" r:id="rId19"/>
+    <p:sldId id="271" r:id="rId20"/>
+    <p:sldId id="280" r:id="rId21"/>
+    <p:sldId id="281" r:id="rId22"/>
+    <p:sldId id="282" r:id="rId23"/>
+    <p:sldId id="294" r:id="rId24"/>
+    <p:sldId id="295" r:id="rId25"/>
+    <p:sldId id="296" r:id="rId26"/>
+    <p:sldId id="297" r:id="rId27"/>
+    <p:sldId id="283" r:id="rId28"/>
+    <p:sldId id="298" r:id="rId29"/>
+    <p:sldId id="274" r:id="rId30"/>
+    <p:sldId id="275" r:id="rId31"/>
+    <p:sldId id="276" r:id="rId32"/>
+    <p:sldId id="299" r:id="rId33"/>
+    <p:sldId id="300" r:id="rId34"/>
+    <p:sldId id="301" r:id="rId35"/>
+    <p:sldId id="302" r:id="rId36"/>
+    <p:sldId id="277" r:id="rId37"/>
+    <p:sldId id="284" r:id="rId38"/>
   </p:sldIdLst>
   <p:sldSz cx="12192000" cy="6858000"/>
   <p:notesSz cx="7559675" cy="10691813"/>
@@ -1018,6 +1031,216 @@
 </p:notes>
 </file>
 
+<file path=ppt/notesSlides/notesSlide10.xml><?xml version="1.0" encoding="utf-8"?>
+<p:notes xmlns:a="http://schemas.openxmlformats.org/drawingml/2006/main" xmlns:r="http://schemas.openxmlformats.org/officeDocument/2006/relationships" xmlns:p="http://schemas.openxmlformats.org/presentationml/2006/main">
+  <p:cSld>
+    <p:spTree>
+      <p:nvGrpSpPr>
+        <p:cNvPr id="1" name=""/>
+        <p:cNvGrpSpPr/>
+        <p:nvPr/>
+      </p:nvGrpSpPr>
+      <p:grpSpPr>
+        <a:xfrm>
+          <a:off x="0" y="0"/>
+          <a:ext cx="0" cy="0"/>
+          <a:chOff x="0" y="0"/>
+          <a:chExt cx="0" cy="0"/>
+        </a:xfrm>
+      </p:grpSpPr>
+      <p:sp>
+        <p:nvSpPr>
+          <p:cNvPr id="2" name="Slide Image Placeholder 1"/>
+          <p:cNvSpPr>
+            <a:spLocks noGrp="1" noRot="1" noChangeAspect="1" noResize="1"/>
+          </p:cNvSpPr>
+          <p:nvPr>
+            <p:ph type="sldImg"/>
+          </p:nvPr>
+        </p:nvSpPr>
+        <p:spPr>
+          <a:xfrm>
+            <a:off x="217488" y="812800"/>
+            <a:ext cx="7124700" cy="4008438"/>
+          </a:xfrm>
+          <a:solidFill>
+            <a:srgbClr val="729FCF"/>
+          </a:solidFill>
+          <a:ln w="25400">
+            <a:solidFill>
+              <a:srgbClr val="3465A4"/>
+            </a:solidFill>
+            <a:prstDash val="solid"/>
+          </a:ln>
+        </p:spPr>
+      </p:sp>
+      <p:sp>
+        <p:nvSpPr>
+          <p:cNvPr id="3" name="Notes Placeholder 2"/>
+          <p:cNvSpPr txBox="1">
+            <a:spLocks noGrp="1"/>
+          </p:cNvSpPr>
+          <p:nvPr>
+            <p:ph type="body" sz="quarter" idx="1"/>
+          </p:nvPr>
+        </p:nvSpPr>
+        <p:spPr/>
+        <p:txBody>
+          <a:bodyPr/>
+          <a:lstStyle/>
+          <a:p>
+            <a:endParaRPr lang="en-US"/>
+          </a:p>
+        </p:txBody>
+      </p:sp>
+    </p:spTree>
+  </p:cSld>
+  <p:clrMapOvr>
+    <a:masterClrMapping/>
+  </p:clrMapOvr>
+</p:notes>
+</file>
+
+<file path=ppt/notesSlides/notesSlide11.xml><?xml version="1.0" encoding="utf-8"?>
+<p:notes xmlns:a="http://schemas.openxmlformats.org/drawingml/2006/main" xmlns:r="http://schemas.openxmlformats.org/officeDocument/2006/relationships" xmlns:p="http://schemas.openxmlformats.org/presentationml/2006/main">
+  <p:cSld>
+    <p:spTree>
+      <p:nvGrpSpPr>
+        <p:cNvPr id="1" name=""/>
+        <p:cNvGrpSpPr/>
+        <p:nvPr/>
+      </p:nvGrpSpPr>
+      <p:grpSpPr>
+        <a:xfrm>
+          <a:off x="0" y="0"/>
+          <a:ext cx="0" cy="0"/>
+          <a:chOff x="0" y="0"/>
+          <a:chExt cx="0" cy="0"/>
+        </a:xfrm>
+      </p:grpSpPr>
+      <p:sp>
+        <p:nvSpPr>
+          <p:cNvPr id="2" name="Slide Image Placeholder 1"/>
+          <p:cNvSpPr>
+            <a:spLocks noGrp="1" noRot="1" noChangeAspect="1" noResize="1"/>
+          </p:cNvSpPr>
+          <p:nvPr>
+            <p:ph type="sldImg"/>
+          </p:nvPr>
+        </p:nvSpPr>
+        <p:spPr>
+          <a:xfrm>
+            <a:off x="217488" y="812800"/>
+            <a:ext cx="7124700" cy="4008438"/>
+          </a:xfrm>
+          <a:solidFill>
+            <a:srgbClr val="729FCF"/>
+          </a:solidFill>
+          <a:ln w="25400">
+            <a:solidFill>
+              <a:srgbClr val="3465A4"/>
+            </a:solidFill>
+            <a:prstDash val="solid"/>
+          </a:ln>
+        </p:spPr>
+      </p:sp>
+      <p:sp>
+        <p:nvSpPr>
+          <p:cNvPr id="3" name="Notes Placeholder 2"/>
+          <p:cNvSpPr txBox="1">
+            <a:spLocks noGrp="1"/>
+          </p:cNvSpPr>
+          <p:nvPr>
+            <p:ph type="body" sz="quarter" idx="1"/>
+          </p:nvPr>
+        </p:nvSpPr>
+        <p:spPr/>
+        <p:txBody>
+          <a:bodyPr/>
+          <a:lstStyle/>
+          <a:p>
+            <a:endParaRPr lang="en-US"/>
+          </a:p>
+        </p:txBody>
+      </p:sp>
+    </p:spTree>
+  </p:cSld>
+  <p:clrMapOvr>
+    <a:masterClrMapping/>
+  </p:clrMapOvr>
+</p:notes>
+</file>
+
+<file path=ppt/notesSlides/notesSlide12.xml><?xml version="1.0" encoding="utf-8"?>
+<p:notes xmlns:a="http://schemas.openxmlformats.org/drawingml/2006/main" xmlns:r="http://schemas.openxmlformats.org/officeDocument/2006/relationships" xmlns:p="http://schemas.openxmlformats.org/presentationml/2006/main">
+  <p:cSld>
+    <p:spTree>
+      <p:nvGrpSpPr>
+        <p:cNvPr id="1" name=""/>
+        <p:cNvGrpSpPr/>
+        <p:nvPr/>
+      </p:nvGrpSpPr>
+      <p:grpSpPr>
+        <a:xfrm>
+          <a:off x="0" y="0"/>
+          <a:ext cx="0" cy="0"/>
+          <a:chOff x="0" y="0"/>
+          <a:chExt cx="0" cy="0"/>
+        </a:xfrm>
+      </p:grpSpPr>
+      <p:sp>
+        <p:nvSpPr>
+          <p:cNvPr id="2" name="Slide Image Placeholder 1"/>
+          <p:cNvSpPr>
+            <a:spLocks noGrp="1" noRot="1" noChangeAspect="1" noResize="1"/>
+          </p:cNvSpPr>
+          <p:nvPr>
+            <p:ph type="sldImg"/>
+          </p:nvPr>
+        </p:nvSpPr>
+        <p:spPr>
+          <a:xfrm>
+            <a:off x="217488" y="812800"/>
+            <a:ext cx="7124700" cy="4008438"/>
+          </a:xfrm>
+          <a:solidFill>
+            <a:srgbClr val="729FCF"/>
+          </a:solidFill>
+          <a:ln w="25400">
+            <a:solidFill>
+              <a:srgbClr val="3465A4"/>
+            </a:solidFill>
+            <a:prstDash val="solid"/>
+          </a:ln>
+        </p:spPr>
+      </p:sp>
+      <p:sp>
+        <p:nvSpPr>
+          <p:cNvPr id="3" name="Notes Placeholder 2"/>
+          <p:cNvSpPr txBox="1">
+            <a:spLocks noGrp="1"/>
+          </p:cNvSpPr>
+          <p:nvPr>
+            <p:ph type="body" sz="quarter" idx="1"/>
+          </p:nvPr>
+        </p:nvSpPr>
+        <p:spPr/>
+        <p:txBody>
+          <a:bodyPr/>
+          <a:lstStyle/>
+          <a:p>
+            <a:endParaRPr lang="en-US"/>
+          </a:p>
+        </p:txBody>
+      </p:sp>
+    </p:spTree>
+  </p:cSld>
+  <p:clrMapOvr>
+    <a:masterClrMapping/>
+  </p:clrMapOvr>
+</p:notes>
+</file>
+
 <file path=ppt/notesSlides/notesSlide2.xml><?xml version="1.0" encoding="utf-8"?>
 <p:notes xmlns:a="http://schemas.openxmlformats.org/drawingml/2006/main" xmlns:r="http://schemas.openxmlformats.org/officeDocument/2006/relationships" xmlns:p="http://schemas.openxmlformats.org/presentationml/2006/main">
   <p:cSld>
@@ -1439,6 +1662,76 @@
 </file>
 
 <file path=ppt/notesSlides/notesSlide8.xml><?xml version="1.0" encoding="utf-8"?>
+<p:notes xmlns:a="http://schemas.openxmlformats.org/drawingml/2006/main" xmlns:r="http://schemas.openxmlformats.org/officeDocument/2006/relationships" xmlns:p="http://schemas.openxmlformats.org/presentationml/2006/main">
+  <p:cSld>
+    <p:spTree>
+      <p:nvGrpSpPr>
+        <p:cNvPr id="1" name=""/>
+        <p:cNvGrpSpPr/>
+        <p:nvPr/>
+      </p:nvGrpSpPr>
+      <p:grpSpPr>
+        <a:xfrm>
+          <a:off x="0" y="0"/>
+          <a:ext cx="0" cy="0"/>
+          <a:chOff x="0" y="0"/>
+          <a:chExt cx="0" cy="0"/>
+        </a:xfrm>
+      </p:grpSpPr>
+      <p:sp>
+        <p:nvSpPr>
+          <p:cNvPr id="2" name="Slide Image Placeholder 1"/>
+          <p:cNvSpPr>
+            <a:spLocks noGrp="1" noRot="1" noChangeAspect="1" noResize="1"/>
+          </p:cNvSpPr>
+          <p:nvPr>
+            <p:ph type="sldImg"/>
+          </p:nvPr>
+        </p:nvSpPr>
+        <p:spPr>
+          <a:xfrm>
+            <a:off x="217488" y="812800"/>
+            <a:ext cx="7124700" cy="4008438"/>
+          </a:xfrm>
+          <a:solidFill>
+            <a:srgbClr val="729FCF"/>
+          </a:solidFill>
+          <a:ln w="25400">
+            <a:solidFill>
+              <a:srgbClr val="3465A4"/>
+            </a:solidFill>
+            <a:prstDash val="solid"/>
+          </a:ln>
+        </p:spPr>
+      </p:sp>
+      <p:sp>
+        <p:nvSpPr>
+          <p:cNvPr id="3" name="Notes Placeholder 2"/>
+          <p:cNvSpPr txBox="1">
+            <a:spLocks noGrp="1"/>
+          </p:cNvSpPr>
+          <p:nvPr>
+            <p:ph type="body" sz="quarter" idx="1"/>
+          </p:nvPr>
+        </p:nvSpPr>
+        <p:spPr/>
+        <p:txBody>
+          <a:bodyPr/>
+          <a:lstStyle/>
+          <a:p>
+            <a:endParaRPr lang="en-US"/>
+          </a:p>
+        </p:txBody>
+      </p:sp>
+    </p:spTree>
+  </p:cSld>
+  <p:clrMapOvr>
+    <a:masterClrMapping/>
+  </p:clrMapOvr>
+</p:notes>
+</file>
+
+<file path=ppt/notesSlides/notesSlide9.xml><?xml version="1.0" encoding="utf-8"?>
 <p:notes xmlns:a="http://schemas.openxmlformats.org/drawingml/2006/main" xmlns:r="http://schemas.openxmlformats.org/officeDocument/2006/relationships" xmlns:p="http://schemas.openxmlformats.org/presentationml/2006/main">
   <p:cSld>
     <p:spTree>
@@ -6330,10 +6623,15 @@
             <a:spLocks noGrp="1"/>
           </p:cNvSpPr>
           <p:nvPr>
-            <p:ph type="ctrTitle"/>
+            <p:ph type="title"/>
           </p:nvPr>
         </p:nvSpPr>
-        <p:spPr/>
+        <p:spPr>
+          <a:xfrm>
+            <a:off x="609600" y="457200"/>
+            <a:ext cx="10972080" cy="1144440"/>
+          </a:xfrm>
+        </p:spPr>
         <p:txBody>
           <a:bodyPr/>
           <a:lstStyle/>
@@ -6347,7 +6645,102 @@
                   <a:srgbClr val="FFC000"/>
                 </a:solidFill>
               </a:rPr>
-              <a:t>Pthreads</a:t>
+              <a:t>Timpii</a:t>
+            </a:r>
+            <a:r>
+              <a:rPr lang="en-US" dirty="0" smtClean="0">
+                <a:solidFill>
+                  <a:srgbClr val="FFC000"/>
+                </a:solidFill>
+              </a:rPr>
+              <a:t> de </a:t>
+            </a:r>
+            <a:r>
+              <a:rPr lang="en-US" dirty="0" err="1" smtClean="0">
+                <a:solidFill>
+                  <a:srgbClr val="FFC000"/>
+                </a:solidFill>
+              </a:rPr>
+              <a:t>executie</a:t>
+            </a:r>
+            <a:r>
+              <a:rPr lang="en-US" dirty="0" smtClean="0">
+                <a:solidFill>
+                  <a:srgbClr val="FFC000"/>
+                </a:solidFill>
+              </a:rPr>
+              <a:t> </a:t>
+            </a:r>
+            <a:r>
+              <a:rPr lang="en-US" dirty="0" err="1" smtClean="0">
+                <a:solidFill>
+                  <a:srgbClr val="FFC000"/>
+                </a:solidFill>
+              </a:rPr>
+              <a:t>pe</a:t>
+            </a:r>
+            <a:r>
+              <a:rPr lang="en-US" dirty="0" smtClean="0">
+                <a:solidFill>
+                  <a:srgbClr val="FFC000"/>
+                </a:solidFill>
+              </a:rPr>
+              <a:t> </a:t>
+            </a:r>
+            <a:r>
+              <a:rPr lang="en-US" dirty="0" err="1" smtClean="0">
+                <a:solidFill>
+                  <a:srgbClr val="FFC000"/>
+                </a:solidFill>
+              </a:rPr>
+              <a:t>cele</a:t>
+            </a:r>
+            <a:r>
+              <a:rPr lang="en-US" dirty="0" smtClean="0">
+                <a:solidFill>
+                  <a:srgbClr val="FFC000"/>
+                </a:solidFill>
+              </a:rPr>
+              <a:t> 2 </a:t>
+            </a:r>
+            <a:r>
+              <a:rPr lang="en-US" dirty="0" err="1" smtClean="0">
+                <a:solidFill>
+                  <a:srgbClr val="FFC000"/>
+                </a:solidFill>
+              </a:rPr>
+              <a:t>cozi</a:t>
+            </a:r>
+            <a:r>
+              <a:rPr lang="en-US" dirty="0" smtClean="0">
+                <a:solidFill>
+                  <a:srgbClr val="FFC000"/>
+                </a:solidFill>
+              </a:rPr>
+              <a:t/>
+            </a:r>
+            <a:br>
+              <a:rPr lang="en-US" dirty="0" smtClean="0">
+                <a:solidFill>
+                  <a:srgbClr val="FFC000"/>
+                </a:solidFill>
+              </a:rPr>
+            </a:br>
+            <a:r>
+              <a:rPr lang="en-US" dirty="0" smtClean="0">
+                <a:solidFill>
+                  <a:srgbClr val="FFC000"/>
+                </a:solidFill>
+              </a:rPr>
+              <a:t>3</a:t>
+            </a:r>
+            <a:r>
+              <a:rPr lang="en-US" dirty="0" smtClean="0">
+                <a:solidFill>
+                  <a:srgbClr val="FFC000"/>
+                </a:solidFill>
+              </a:rPr>
+              <a:t>000x3000</a:t>
             </a:r>
             <a:endParaRPr lang="en-US" dirty="0">
               <a:solidFill>
@@ -6357,6 +6750,383 @@
           </a:p>
         </p:txBody>
       </p:sp>
+      <p:graphicFrame>
+        <p:nvGraphicFramePr>
+          <p:cNvPr id="5" name="Content Placeholder 4"/>
+          <p:cNvGraphicFramePr>
+            <a:graphicFrameLocks noGrp="1"/>
+          </p:cNvGraphicFramePr>
+          <p:nvPr>
+            <p:ph idx="1"/>
+          </p:nvPr>
+        </p:nvGraphicFramePr>
+        <p:xfrm>
+          <a:off x="533400" y="2133600"/>
+          <a:ext cx="10972800" cy="2595880"/>
+        </p:xfrm>
+        <a:graphic>
+          <a:graphicData uri="http://schemas.openxmlformats.org/drawingml/2006/table">
+            <a:tbl>
+              <a:tblPr firstRow="1" bandRow="1">
+                <a:tableStyleId>{5C22544A-7EE6-4342-B048-85BDC9FD1C3A}</a:tableStyleId>
+              </a:tblPr>
+              <a:tblGrid>
+                <a:gridCol w="3657600"/>
+                <a:gridCol w="3657600"/>
+                <a:gridCol w="3657600"/>
+              </a:tblGrid>
+              <a:tr h="370840">
+                <a:tc>
+                  <a:txBody>
+                    <a:bodyPr/>
+                    <a:lstStyle/>
+                    <a:p>
+                      <a:r>
+                        <a:rPr lang="en-US" dirty="0" smtClean="0"/>
+                        <a:t>3000x3000</a:t>
+                      </a:r>
+                      <a:endParaRPr lang="en-US" dirty="0"/>
+                    </a:p>
+                  </a:txBody>
+                  <a:tcPr/>
+                </a:tc>
+                <a:tc>
+                  <a:txBody>
+                    <a:bodyPr/>
+                    <a:lstStyle/>
+                    <a:p>
+                      <a:r>
+                        <a:rPr lang="en-US" dirty="0" smtClean="0"/>
+                        <a:t>Hp-</a:t>
+                      </a:r>
+                      <a:r>
+                        <a:rPr lang="en-US" dirty="0" err="1" smtClean="0"/>
+                        <a:t>sl.q</a:t>
+                      </a:r>
+                      <a:endParaRPr lang="en-US" dirty="0"/>
+                    </a:p>
+                  </a:txBody>
+                  <a:tcPr/>
+                </a:tc>
+                <a:tc>
+                  <a:txBody>
+                    <a:bodyPr/>
+                    <a:lstStyle/>
+                    <a:p>
+                      <a:r>
+                        <a:rPr lang="en-US" dirty="0" err="1" smtClean="0"/>
+                        <a:t>Ibm-dp.q</a:t>
+                      </a:r>
+                      <a:endParaRPr lang="en-US" dirty="0"/>
+                    </a:p>
+                  </a:txBody>
+                  <a:tcPr/>
+                </a:tc>
+              </a:tr>
+              <a:tr h="370840">
+                <a:tc>
+                  <a:txBody>
+                    <a:bodyPr/>
+                    <a:lstStyle/>
+                    <a:p>
+                      <a:r>
+                        <a:rPr lang="en-US" dirty="0" smtClean="0"/>
+                        <a:t>Serial </a:t>
+                      </a:r>
+                      <a:endParaRPr lang="en-US" dirty="0"/>
+                    </a:p>
+                  </a:txBody>
+                  <a:tcPr/>
+                </a:tc>
+                <a:tc>
+                  <a:txBody>
+                    <a:bodyPr/>
+                    <a:lstStyle/>
+                    <a:p>
+                      <a:r>
+                        <a:rPr lang="en-US" dirty="0" smtClean="0"/>
+                        <a:t>26.390s</a:t>
+                      </a:r>
+                      <a:endParaRPr lang="en-US" dirty="0"/>
+                    </a:p>
+                  </a:txBody>
+                  <a:tcPr/>
+                </a:tc>
+                <a:tc>
+                  <a:txBody>
+                    <a:bodyPr/>
+                    <a:lstStyle/>
+                    <a:p>
+                      <a:r>
+                        <a:rPr lang="en-US" dirty="0" smtClean="0"/>
+                        <a:t>35.241s</a:t>
+                      </a:r>
+                      <a:endParaRPr lang="en-US" dirty="0"/>
+                    </a:p>
+                  </a:txBody>
+                  <a:tcPr/>
+                </a:tc>
+              </a:tr>
+              <a:tr h="370840">
+                <a:tc>
+                  <a:txBody>
+                    <a:bodyPr/>
+                    <a:lstStyle/>
+                    <a:p>
+                      <a:r>
+                        <a:rPr lang="en-US" dirty="0" smtClean="0"/>
+                        <a:t>2</a:t>
+                      </a:r>
+                      <a:r>
+                        <a:rPr lang="en-US" baseline="0" dirty="0" smtClean="0"/>
+                        <a:t> thread-</a:t>
+                      </a:r>
+                      <a:r>
+                        <a:rPr lang="en-US" baseline="0" dirty="0" err="1" smtClean="0"/>
+                        <a:t>uri</a:t>
+                      </a:r>
+                      <a:endParaRPr lang="en-US" dirty="0"/>
+                    </a:p>
+                  </a:txBody>
+                  <a:tcPr/>
+                </a:tc>
+                <a:tc>
+                  <a:txBody>
+                    <a:bodyPr/>
+                    <a:lstStyle/>
+                    <a:p>
+                      <a:r>
+                        <a:rPr lang="en-US" dirty="0" smtClean="0"/>
+                        <a:t>14.043s</a:t>
+                      </a:r>
+                      <a:endParaRPr lang="en-US" dirty="0"/>
+                    </a:p>
+                  </a:txBody>
+                  <a:tcPr/>
+                </a:tc>
+                <a:tc>
+                  <a:txBody>
+                    <a:bodyPr/>
+                    <a:lstStyle/>
+                    <a:p>
+                      <a:r>
+                        <a:rPr lang="en-US" dirty="0" smtClean="0"/>
+                        <a:t>19.411s</a:t>
+                      </a:r>
+                      <a:endParaRPr lang="en-US" dirty="0"/>
+                    </a:p>
+                  </a:txBody>
+                  <a:tcPr/>
+                </a:tc>
+              </a:tr>
+              <a:tr h="370840">
+                <a:tc>
+                  <a:txBody>
+                    <a:bodyPr/>
+                    <a:lstStyle/>
+                    <a:p>
+                      <a:r>
+                        <a:rPr lang="en-US" dirty="0" smtClean="0"/>
+                        <a:t>4 </a:t>
+                      </a:r>
+                      <a:r>
+                        <a:rPr lang="en-US" baseline="0" dirty="0" smtClean="0"/>
+                        <a:t>thread-</a:t>
+                      </a:r>
+                      <a:r>
+                        <a:rPr lang="en-US" baseline="0" dirty="0" err="1" smtClean="0"/>
+                        <a:t>uri</a:t>
+                      </a:r>
+                      <a:endParaRPr lang="en-US" dirty="0"/>
+                    </a:p>
+                  </a:txBody>
+                  <a:tcPr/>
+                </a:tc>
+                <a:tc>
+                  <a:txBody>
+                    <a:bodyPr/>
+                    <a:lstStyle/>
+                    <a:p>
+                      <a:r>
+                        <a:rPr lang="en-US" dirty="0" smtClean="0"/>
+                        <a:t>7.443s</a:t>
+                      </a:r>
+                      <a:endParaRPr lang="en-US" dirty="0"/>
+                    </a:p>
+                  </a:txBody>
+                  <a:tcPr/>
+                </a:tc>
+                <a:tc>
+                  <a:txBody>
+                    <a:bodyPr/>
+                    <a:lstStyle/>
+                    <a:p>
+                      <a:r>
+                        <a:rPr lang="en-US" dirty="0" smtClean="0"/>
+                        <a:t>11.207s</a:t>
+                      </a:r>
+                      <a:endParaRPr lang="en-US" dirty="0"/>
+                    </a:p>
+                  </a:txBody>
+                  <a:tcPr/>
+                </a:tc>
+              </a:tr>
+              <a:tr h="370840">
+                <a:tc>
+                  <a:txBody>
+                    <a:bodyPr/>
+                    <a:lstStyle/>
+                    <a:p>
+                      <a:r>
+                        <a:rPr lang="en-US" dirty="0" smtClean="0"/>
+                        <a:t>8</a:t>
+                      </a:r>
+                      <a:r>
+                        <a:rPr lang="en-US" baseline="0" dirty="0" smtClean="0"/>
+                        <a:t> thread-</a:t>
+                      </a:r>
+                      <a:r>
+                        <a:rPr lang="en-US" baseline="0" dirty="0" err="1" smtClean="0"/>
+                        <a:t>uri</a:t>
+                      </a:r>
+                      <a:endParaRPr lang="en-US" dirty="0"/>
+                    </a:p>
+                  </a:txBody>
+                  <a:tcPr/>
+                </a:tc>
+                <a:tc>
+                  <a:txBody>
+                    <a:bodyPr/>
+                    <a:lstStyle/>
+                    <a:p>
+                      <a:r>
+                        <a:rPr lang="en-US" dirty="0" smtClean="0"/>
+                        <a:t>5.172s</a:t>
+                      </a:r>
+                      <a:endParaRPr lang="en-US" dirty="0"/>
+                    </a:p>
+                  </a:txBody>
+                  <a:tcPr/>
+                </a:tc>
+                <a:tc>
+                  <a:txBody>
+                    <a:bodyPr/>
+                    <a:lstStyle/>
+                    <a:p>
+                      <a:r>
+                        <a:rPr lang="en-US" dirty="0" smtClean="0"/>
+                        <a:t>6.540s</a:t>
+                      </a:r>
+                      <a:endParaRPr lang="en-US" dirty="0"/>
+                    </a:p>
+                  </a:txBody>
+                  <a:tcPr/>
+                </a:tc>
+              </a:tr>
+              <a:tr h="370840">
+                <a:tc>
+                  <a:txBody>
+                    <a:bodyPr/>
+                    <a:lstStyle/>
+                    <a:p>
+                      <a:r>
+                        <a:rPr lang="en-US" dirty="0" smtClean="0"/>
+                        <a:t>12 </a:t>
+                      </a:r>
+                      <a:r>
+                        <a:rPr lang="en-US" baseline="0" dirty="0" smtClean="0"/>
+                        <a:t>thread-</a:t>
+                      </a:r>
+                      <a:r>
+                        <a:rPr lang="en-US" baseline="0" dirty="0" err="1" smtClean="0"/>
+                        <a:t>uri</a:t>
+                      </a:r>
+                      <a:endParaRPr lang="en-US" dirty="0"/>
+                    </a:p>
+                  </a:txBody>
+                  <a:tcPr/>
+                </a:tc>
+                <a:tc>
+                  <a:txBody>
+                    <a:bodyPr/>
+                    <a:lstStyle/>
+                    <a:p>
+                      <a:r>
+                        <a:rPr lang="en-US" dirty="0" smtClean="0"/>
+                        <a:t>4.097s</a:t>
+                      </a:r>
+                      <a:endParaRPr lang="en-US" dirty="0"/>
+                    </a:p>
+                  </a:txBody>
+                  <a:tcPr/>
+                </a:tc>
+                <a:tc>
+                  <a:txBody>
+                    <a:bodyPr/>
+                    <a:lstStyle/>
+                    <a:p>
+                      <a:r>
+                        <a:rPr lang="en-US" dirty="0" smtClean="0"/>
+                        <a:t>5.053s</a:t>
+                      </a:r>
+                      <a:endParaRPr lang="en-US" dirty="0"/>
+                    </a:p>
+                  </a:txBody>
+                  <a:tcPr/>
+                </a:tc>
+              </a:tr>
+              <a:tr h="370840">
+                <a:tc>
+                  <a:txBody>
+                    <a:bodyPr/>
+                    <a:lstStyle/>
+                    <a:p>
+                      <a:r>
+                        <a:rPr lang="en-US" dirty="0" smtClean="0"/>
+                        <a:t>16 thread-</a:t>
+                      </a:r>
+                      <a:r>
+                        <a:rPr lang="en-US" dirty="0" err="1" smtClean="0"/>
+                        <a:t>uri</a:t>
+                      </a:r>
+                      <a:endParaRPr lang="en-US" dirty="0"/>
+                    </a:p>
+                  </a:txBody>
+                  <a:tcPr/>
+                </a:tc>
+                <a:tc>
+                  <a:txBody>
+                    <a:bodyPr/>
+                    <a:lstStyle/>
+                    <a:p>
+                      <a:r>
+                        <a:rPr lang="en-US" dirty="0" smtClean="0"/>
+                        <a:t>4.374s</a:t>
+                      </a:r>
+                      <a:endParaRPr lang="en-US" dirty="0"/>
+                    </a:p>
+                  </a:txBody>
+                  <a:tcPr/>
+                </a:tc>
+                <a:tc>
+                  <a:txBody>
+                    <a:bodyPr/>
+                    <a:lstStyle/>
+                    <a:p>
+                      <a:r>
+                        <a:rPr lang="en-US" dirty="0" smtClean="0"/>
+                        <a:t>6.246s</a:t>
+                      </a:r>
+                      <a:endParaRPr lang="en-US" dirty="0"/>
+                    </a:p>
+                  </a:txBody>
+                  <a:tcPr/>
+                </a:tc>
+              </a:tr>
+            </a:tbl>
+          </a:graphicData>
+        </a:graphic>
+      </p:graphicFrame>
     </p:spTree>
   </p:cSld>
   <p:clrMapOvr>
@@ -6402,11 +7172,398 @@
               <a:buNone/>
             </a:pPr>
             <a:r>
+              <a:rPr lang="en-US" dirty="0" smtClean="0">
+                <a:solidFill>
+                  <a:srgbClr val="FFC000"/>
+                </a:solidFill>
+              </a:rPr>
+              <a:t>Hp-</a:t>
+            </a:r>
+            <a:r>
               <a:rPr lang="en-US" dirty="0" err="1" smtClean="0">
                 <a:solidFill>
                   <a:srgbClr val="FFC000"/>
                 </a:solidFill>
               </a:rPr>
+              <a:t>sl.q</a:t>
+            </a:r>
+            <a:endParaRPr lang="en-US" dirty="0">
+              <a:solidFill>
+                <a:srgbClr val="FFC000"/>
+              </a:solidFill>
+            </a:endParaRPr>
+          </a:p>
+        </p:txBody>
+      </p:sp>
+      <p:pic>
+        <p:nvPicPr>
+          <p:cNvPr id="1026" name="Picture 2"/>
+          <p:cNvPicPr>
+            <a:picLocks noGrp="1" noChangeAspect="1" noChangeArrowheads="1"/>
+          </p:cNvPicPr>
+          <p:nvPr>
+            <p:ph idx="1"/>
+          </p:nvPr>
+        </p:nvPicPr>
+        <p:blipFill>
+          <a:blip r:embed="rId2" cstate="print"/>
+          <a:srcRect/>
+          <a:stretch>
+            <a:fillRect/>
+          </a:stretch>
+        </p:blipFill>
+        <p:spPr bwMode="auto">
+          <a:xfrm>
+            <a:off x="3258051" y="1604963"/>
+            <a:ext cx="5675898" cy="3976687"/>
+          </a:xfrm>
+          <a:prstGeom prst="rect">
+            <a:avLst/>
+          </a:prstGeom>
+          <a:noFill/>
+          <a:ln w="9525">
+            <a:noFill/>
+            <a:miter lim="800000"/>
+            <a:headEnd/>
+            <a:tailEnd/>
+          </a:ln>
+          <a:effectLst/>
+        </p:spPr>
+      </p:pic>
+    </p:spTree>
+  </p:cSld>
+  <p:clrMapOvr>
+    <a:masterClrMapping/>
+  </p:clrMapOvr>
+  <p:transition/>
+</p:sld>
+</file>
+
+<file path=ppt/slides/slide15.xml><?xml version="1.0" encoding="utf-8"?>
+<p:sld xmlns:a="http://schemas.openxmlformats.org/drawingml/2006/main" xmlns:r="http://schemas.openxmlformats.org/officeDocument/2006/relationships" xmlns:p="http://schemas.openxmlformats.org/presentationml/2006/main">
+  <p:cSld>
+    <p:spTree>
+      <p:nvGrpSpPr>
+        <p:cNvPr id="1" name=""/>
+        <p:cNvGrpSpPr/>
+        <p:nvPr/>
+      </p:nvGrpSpPr>
+      <p:grpSpPr>
+        <a:xfrm>
+          <a:off x="0" y="0"/>
+          <a:ext cx="0" cy="0"/>
+          <a:chOff x="0" y="0"/>
+          <a:chExt cx="0" cy="0"/>
+        </a:xfrm>
+      </p:grpSpPr>
+      <p:sp>
+        <p:nvSpPr>
+          <p:cNvPr id="2" name="Title 1"/>
+          <p:cNvSpPr>
+            <a:spLocks noGrp="1"/>
+          </p:cNvSpPr>
+          <p:nvPr>
+            <p:ph type="title"/>
+          </p:nvPr>
+        </p:nvSpPr>
+        <p:spPr/>
+        <p:txBody>
+          <a:bodyPr/>
+          <a:lstStyle/>
+          <a:p>
+            <a:pPr>
+              <a:buNone/>
+            </a:pPr>
+            <a:r>
+              <a:rPr lang="en-US" dirty="0" err="1" smtClean="0">
+                <a:solidFill>
+                  <a:srgbClr val="FFC000"/>
+                </a:solidFill>
+              </a:rPr>
+              <a:t>Ibm-dp.q</a:t>
+            </a:r>
+            <a:endParaRPr lang="en-US" dirty="0">
+              <a:solidFill>
+                <a:srgbClr val="FFC000"/>
+              </a:solidFill>
+            </a:endParaRPr>
+          </a:p>
+        </p:txBody>
+      </p:sp>
+      <p:pic>
+        <p:nvPicPr>
+          <p:cNvPr id="2050" name="Picture 2"/>
+          <p:cNvPicPr>
+            <a:picLocks noGrp="1" noChangeAspect="1" noChangeArrowheads="1"/>
+          </p:cNvPicPr>
+          <p:nvPr>
+            <p:ph idx="1"/>
+          </p:nvPr>
+        </p:nvPicPr>
+        <p:blipFill>
+          <a:blip r:embed="rId2" cstate="print"/>
+          <a:srcRect/>
+          <a:stretch>
+            <a:fillRect/>
+          </a:stretch>
+        </p:blipFill>
+        <p:spPr bwMode="auto">
+          <a:xfrm>
+            <a:off x="3261267" y="1604963"/>
+            <a:ext cx="5669466" cy="3976687"/>
+          </a:xfrm>
+          <a:prstGeom prst="rect">
+            <a:avLst/>
+          </a:prstGeom>
+          <a:noFill/>
+          <a:ln w="9525">
+            <a:noFill/>
+            <a:miter lim="800000"/>
+            <a:headEnd/>
+            <a:tailEnd/>
+          </a:ln>
+          <a:effectLst/>
+        </p:spPr>
+      </p:pic>
+    </p:spTree>
+  </p:cSld>
+  <p:clrMapOvr>
+    <a:masterClrMapping/>
+  </p:clrMapOvr>
+  <p:transition/>
+</p:sld>
+</file>
+
+<file path=ppt/slides/slide16.xml><?xml version="1.0" encoding="utf-8"?>
+<p:sld xmlns:a="http://schemas.openxmlformats.org/drawingml/2006/main" xmlns:r="http://schemas.openxmlformats.org/officeDocument/2006/relationships" xmlns:p="http://schemas.openxmlformats.org/presentationml/2006/main">
+  <p:cSld>
+    <p:spTree>
+      <p:nvGrpSpPr>
+        <p:cNvPr id="1" name=""/>
+        <p:cNvGrpSpPr/>
+        <p:nvPr/>
+      </p:nvGrpSpPr>
+      <p:grpSpPr>
+        <a:xfrm>
+          <a:off x="0" y="0"/>
+          <a:ext cx="0" cy="0"/>
+          <a:chOff x="0" y="0"/>
+          <a:chExt cx="0" cy="0"/>
+        </a:xfrm>
+      </p:grpSpPr>
+      <p:sp>
+        <p:nvSpPr>
+          <p:cNvPr id="3" name="Title 2"/>
+          <p:cNvSpPr>
+            <a:spLocks noGrp="1"/>
+          </p:cNvSpPr>
+          <p:nvPr>
+            <p:ph type="title"/>
+          </p:nvPr>
+        </p:nvSpPr>
+        <p:spPr/>
+        <p:txBody>
+          <a:bodyPr/>
+          <a:lstStyle/>
+          <a:p>
+            <a:pPr>
+              <a:buNone/>
+            </a:pPr>
+            <a:r>
+              <a:rPr lang="en-US" dirty="0" smtClean="0">
+                <a:solidFill>
+                  <a:srgbClr val="FFC000"/>
+                </a:solidFill>
+              </a:rPr>
+              <a:t>Hp-</a:t>
+            </a:r>
+            <a:r>
+              <a:rPr lang="en-US" dirty="0" err="1" smtClean="0">
+                <a:solidFill>
+                  <a:srgbClr val="FFC000"/>
+                </a:solidFill>
+              </a:rPr>
+              <a:t>sl.q</a:t>
+            </a:r>
+            <a:r>
+              <a:rPr lang="en-US" dirty="0" smtClean="0">
+                <a:solidFill>
+                  <a:srgbClr val="FFC000"/>
+                </a:solidFill>
+              </a:rPr>
+              <a:t> &amp; </a:t>
+            </a:r>
+            <a:r>
+              <a:rPr lang="en-US" dirty="0" err="1" smtClean="0">
+                <a:solidFill>
+                  <a:srgbClr val="FFC000"/>
+                </a:solidFill>
+              </a:rPr>
+              <a:t>Ibm-dp.q</a:t>
+            </a:r>
+            <a:endParaRPr lang="en-US" dirty="0">
+              <a:solidFill>
+                <a:srgbClr val="FFC000"/>
+              </a:solidFill>
+            </a:endParaRPr>
+          </a:p>
+        </p:txBody>
+      </p:sp>
+      <p:pic>
+        <p:nvPicPr>
+          <p:cNvPr id="3074" name="Picture 2"/>
+          <p:cNvPicPr>
+            <a:picLocks noChangeAspect="1" noChangeArrowheads="1"/>
+          </p:cNvPicPr>
+          <p:nvPr/>
+        </p:nvPicPr>
+        <p:blipFill>
+          <a:blip r:embed="rId3" cstate="print"/>
+          <a:srcRect/>
+          <a:stretch>
+            <a:fillRect/>
+          </a:stretch>
+        </p:blipFill>
+        <p:spPr bwMode="auto">
+          <a:xfrm>
+            <a:off x="2590800" y="1828800"/>
+            <a:ext cx="6038850" cy="4276725"/>
+          </a:xfrm>
+          <a:prstGeom prst="rect">
+            <a:avLst/>
+          </a:prstGeom>
+          <a:noFill/>
+          <a:ln w="9525">
+            <a:noFill/>
+            <a:miter lim="800000"/>
+            <a:headEnd/>
+            <a:tailEnd/>
+          </a:ln>
+          <a:effectLst/>
+        </p:spPr>
+      </p:pic>
+    </p:spTree>
+  </p:cSld>
+  <p:clrMapOvr>
+    <a:masterClrMapping/>
+  </p:clrMapOvr>
+  <p:transition/>
+  <p:timing>
+    <p:tnLst>
+      <p:par>
+        <p:cTn id="1" dur="indefinite" restart="never" nodeType="tmRoot"/>
+      </p:par>
+    </p:tnLst>
+  </p:timing>
+</p:sld>
+</file>
+
+<file path=ppt/slides/slide17.xml><?xml version="1.0" encoding="utf-8"?>
+<p:sld xmlns:a="http://schemas.openxmlformats.org/drawingml/2006/main" xmlns:r="http://schemas.openxmlformats.org/officeDocument/2006/relationships" xmlns:p="http://schemas.openxmlformats.org/presentationml/2006/main">
+  <p:cSld>
+    <p:spTree>
+      <p:nvGrpSpPr>
+        <p:cNvPr id="1" name=""/>
+        <p:cNvGrpSpPr/>
+        <p:nvPr/>
+      </p:nvGrpSpPr>
+      <p:grpSpPr>
+        <a:xfrm>
+          <a:off x="0" y="0"/>
+          <a:ext cx="0" cy="0"/>
+          <a:chOff x="0" y="0"/>
+          <a:chExt cx="0" cy="0"/>
+        </a:xfrm>
+      </p:grpSpPr>
+      <p:sp>
+        <p:nvSpPr>
+          <p:cNvPr id="2" name="Title 1"/>
+          <p:cNvSpPr>
+            <a:spLocks noGrp="1"/>
+          </p:cNvSpPr>
+          <p:nvPr>
+            <p:ph type="ctrTitle"/>
+          </p:nvPr>
+        </p:nvSpPr>
+        <p:spPr/>
+        <p:txBody>
+          <a:bodyPr/>
+          <a:lstStyle/>
+          <a:p>
+            <a:pPr>
+              <a:buNone/>
+            </a:pPr>
+            <a:r>
+              <a:rPr lang="en-US" dirty="0" err="1" smtClean="0">
+                <a:solidFill>
+                  <a:srgbClr val="FFC000"/>
+                </a:solidFill>
+              </a:rPr>
+              <a:t>Pthreads</a:t>
+            </a:r>
+            <a:endParaRPr lang="en-US" dirty="0">
+              <a:solidFill>
+                <a:srgbClr val="FFC000"/>
+              </a:solidFill>
+            </a:endParaRPr>
+          </a:p>
+        </p:txBody>
+      </p:sp>
+    </p:spTree>
+  </p:cSld>
+  <p:clrMapOvr>
+    <a:masterClrMapping/>
+  </p:clrMapOvr>
+  <p:transition/>
+</p:sld>
+</file>
+
+<file path=ppt/slides/slide18.xml><?xml version="1.0" encoding="utf-8"?>
+<p:sld xmlns:a="http://schemas.openxmlformats.org/drawingml/2006/main" xmlns:r="http://schemas.openxmlformats.org/officeDocument/2006/relationships" xmlns:p="http://schemas.openxmlformats.org/presentationml/2006/main">
+  <p:cSld>
+    <p:spTree>
+      <p:nvGrpSpPr>
+        <p:cNvPr id="1" name=""/>
+        <p:cNvGrpSpPr/>
+        <p:nvPr/>
+      </p:nvGrpSpPr>
+      <p:grpSpPr>
+        <a:xfrm>
+          <a:off x="0" y="0"/>
+          <a:ext cx="0" cy="0"/>
+          <a:chOff x="0" y="0"/>
+          <a:chExt cx="0" cy="0"/>
+        </a:xfrm>
+      </p:grpSpPr>
+      <p:sp>
+        <p:nvSpPr>
+          <p:cNvPr id="2" name="Title 1"/>
+          <p:cNvSpPr>
+            <a:spLocks noGrp="1"/>
+          </p:cNvSpPr>
+          <p:nvPr>
+            <p:ph type="title"/>
+          </p:nvPr>
+        </p:nvSpPr>
+        <p:spPr>
+          <a:xfrm>
+            <a:off x="609600" y="533400"/>
+            <a:ext cx="10972440" cy="1144800"/>
+          </a:xfrm>
+        </p:spPr>
+        <p:txBody>
+          <a:bodyPr/>
+          <a:lstStyle/>
+          <a:p>
+            <a:pPr>
+              <a:buNone/>
+            </a:pPr>
+            <a:r>
+              <a:rPr lang="en-US" dirty="0" err="1" smtClean="0">
+                <a:solidFill>
+                  <a:srgbClr val="FFC000"/>
+                </a:solidFill>
+              </a:rPr>
               <a:t>Timpii</a:t>
             </a:r>
             <a:r>
@@ -6472,6 +7629,29 @@
                 </a:solidFill>
               </a:rPr>
               <a:t>cozi</a:t>
+            </a:r>
+            <a:r>
+              <a:rPr lang="en-US" dirty="0" smtClean="0">
+                <a:solidFill>
+                  <a:srgbClr val="FFC000"/>
+                </a:solidFill>
+              </a:rPr>
+              <a:t/>
+            </a:r>
+            <a:br>
+              <a:rPr lang="en-US" dirty="0" smtClean="0">
+                <a:solidFill>
+                  <a:srgbClr val="FFC000"/>
+                </a:solidFill>
+              </a:rPr>
+            </a:br>
+            <a:r>
+              <a:rPr lang="en-US" dirty="0" smtClean="0">
+                <a:solidFill>
+                  <a:srgbClr val="FFC000"/>
+                </a:solidFill>
+              </a:rPr>
+              <a:t>1000x1000</a:t>
             </a:r>
             <a:endParaRPr lang="en-US" dirty="0">
               <a:solidFill>
@@ -6492,7 +7672,7 @@
           </p:nvPr>
         </p:nvGraphicFramePr>
         <p:xfrm>
-          <a:off x="609600" y="1604963"/>
+          <a:off x="609600" y="2133600"/>
           <a:ext cx="10972800" cy="2595880"/>
         </p:xfrm>
         <a:graphic>
@@ -6512,6 +7692,10 @@
                     <a:bodyPr/>
                     <a:lstStyle/>
                     <a:p>
+                      <a:r>
+                        <a:rPr lang="en-US" dirty="0" smtClean="0"/>
+                        <a:t>1000x1000</a:t>
+                      </a:r>
                       <a:endParaRPr lang="en-US" dirty="0"/>
                     </a:p>
                   </a:txBody>
@@ -6867,7 +8051,7 @@
 </p:sld>
 </file>
 
-<file path=ppt/slides/slide15.xml><?xml version="1.0" encoding="utf-8"?>
+<file path=ppt/slides/slide19.xml><?xml version="1.0" encoding="utf-8"?>
 <p:sld xmlns:a="http://schemas.openxmlformats.org/drawingml/2006/main" xmlns:r="http://schemas.openxmlformats.org/officeDocument/2006/relationships" xmlns:p="http://schemas.openxmlformats.org/presentationml/2006/main">
   <p:cSld>
     <p:spTree>
@@ -6966,392 +8150,6 @@
     <a:masterClrMapping/>
   </p:clrMapOvr>
   <p:transition/>
-</p:sld>
-</file>
-
-<file path=ppt/slides/slide16.xml><?xml version="1.0" encoding="utf-8"?>
-<p:sld xmlns:a="http://schemas.openxmlformats.org/drawingml/2006/main" xmlns:r="http://schemas.openxmlformats.org/officeDocument/2006/relationships" xmlns:p="http://schemas.openxmlformats.org/presentationml/2006/main">
-  <p:cSld>
-    <p:spTree>
-      <p:nvGrpSpPr>
-        <p:cNvPr id="1" name=""/>
-        <p:cNvGrpSpPr/>
-        <p:nvPr/>
-      </p:nvGrpSpPr>
-      <p:grpSpPr>
-        <a:xfrm>
-          <a:off x="0" y="0"/>
-          <a:ext cx="0" cy="0"/>
-          <a:chOff x="0" y="0"/>
-          <a:chExt cx="0" cy="0"/>
-        </a:xfrm>
-      </p:grpSpPr>
-      <p:sp>
-        <p:nvSpPr>
-          <p:cNvPr id="2" name="Title 1"/>
-          <p:cNvSpPr>
-            <a:spLocks noGrp="1"/>
-          </p:cNvSpPr>
-          <p:nvPr>
-            <p:ph type="title"/>
-          </p:nvPr>
-        </p:nvSpPr>
-        <p:spPr/>
-        <p:txBody>
-          <a:bodyPr/>
-          <a:lstStyle/>
-          <a:p>
-            <a:pPr>
-              <a:buNone/>
-            </a:pPr>
-            <a:r>
-              <a:rPr lang="en-US" dirty="0" err="1" smtClean="0">
-                <a:solidFill>
-                  <a:srgbClr val="FFC000"/>
-                </a:solidFill>
-              </a:rPr>
-              <a:t>Ibm-dp.q</a:t>
-            </a:r>
-            <a:endParaRPr lang="en-US" dirty="0">
-              <a:solidFill>
-                <a:srgbClr val="FFC000"/>
-              </a:solidFill>
-            </a:endParaRPr>
-          </a:p>
-        </p:txBody>
-      </p:sp>
-      <p:pic>
-        <p:nvPicPr>
-          <p:cNvPr id="4" name="Content Placeholder 3" descr="47680092_287543855276535_4504532451317514240_n.png"/>
-          <p:cNvPicPr>
-            <a:picLocks noGrp="1" noChangeAspect="1"/>
-          </p:cNvPicPr>
-          <p:nvPr>
-            <p:ph idx="1"/>
-          </p:nvPr>
-        </p:nvPicPr>
-        <p:blipFill>
-          <a:blip r:embed="rId2" cstate="print"/>
-          <a:stretch>
-            <a:fillRect/>
-          </a:stretch>
-        </p:blipFill>
-        <p:spPr>
-          <a:xfrm>
-            <a:off x="3266154" y="1604963"/>
-            <a:ext cx="5658105" cy="3976687"/>
-          </a:xfrm>
-        </p:spPr>
-      </p:pic>
-    </p:spTree>
-  </p:cSld>
-  <p:clrMapOvr>
-    <a:masterClrMapping/>
-  </p:clrMapOvr>
-  <p:transition/>
-</p:sld>
-</file>
-
-<file path=ppt/slides/slide17.xml><?xml version="1.0" encoding="utf-8"?>
-<p:sld xmlns:a="http://schemas.openxmlformats.org/drawingml/2006/main" xmlns:r="http://schemas.openxmlformats.org/officeDocument/2006/relationships" xmlns:p="http://schemas.openxmlformats.org/presentationml/2006/main">
-  <p:cSld>
-    <p:spTree>
-      <p:nvGrpSpPr>
-        <p:cNvPr id="1" name=""/>
-        <p:cNvGrpSpPr/>
-        <p:nvPr/>
-      </p:nvGrpSpPr>
-      <p:grpSpPr>
-        <a:xfrm>
-          <a:off x="0" y="0"/>
-          <a:ext cx="0" cy="0"/>
-          <a:chOff x="0" y="0"/>
-          <a:chExt cx="0" cy="0"/>
-        </a:xfrm>
-      </p:grpSpPr>
-      <p:sp>
-        <p:nvSpPr>
-          <p:cNvPr id="2" name="Title 1"/>
-          <p:cNvSpPr>
-            <a:spLocks noGrp="1"/>
-          </p:cNvSpPr>
-          <p:nvPr>
-            <p:ph type="title"/>
-          </p:nvPr>
-        </p:nvSpPr>
-        <p:spPr/>
-        <p:txBody>
-          <a:bodyPr/>
-          <a:lstStyle/>
-          <a:p>
-            <a:pPr>
-              <a:buNone/>
-            </a:pPr>
-            <a:r>
-              <a:rPr lang="en-US" dirty="0" smtClean="0">
-                <a:solidFill>
-                  <a:srgbClr val="FFC000"/>
-                </a:solidFill>
-              </a:rPr>
-              <a:t>Hp-</a:t>
-            </a:r>
-            <a:r>
-              <a:rPr lang="en-US" dirty="0" err="1" smtClean="0">
-                <a:solidFill>
-                  <a:srgbClr val="FFC000"/>
-                </a:solidFill>
-              </a:rPr>
-              <a:t>sl.q</a:t>
-            </a:r>
-            <a:r>
-              <a:rPr lang="en-US" dirty="0" smtClean="0">
-                <a:solidFill>
-                  <a:srgbClr val="FFC000"/>
-                </a:solidFill>
-              </a:rPr>
-              <a:t> &amp; </a:t>
-            </a:r>
-            <a:r>
-              <a:rPr lang="en-US" dirty="0" err="1" smtClean="0">
-                <a:solidFill>
-                  <a:srgbClr val="FFC000"/>
-                </a:solidFill>
-              </a:rPr>
-              <a:t>Ibm-dp.q</a:t>
-            </a:r>
-            <a:endParaRPr lang="en-US" dirty="0">
-              <a:solidFill>
-                <a:srgbClr val="FFC000"/>
-              </a:solidFill>
-            </a:endParaRPr>
-          </a:p>
-        </p:txBody>
-      </p:sp>
-      <p:pic>
-        <p:nvPicPr>
-          <p:cNvPr id="4" name="Content Placeholder 3" descr="48076024_1500113700092057_1159219309642252288_n.png"/>
-          <p:cNvPicPr>
-            <a:picLocks noGrp="1" noChangeAspect="1"/>
-          </p:cNvPicPr>
-          <p:nvPr>
-            <p:ph idx="1"/>
-          </p:nvPr>
-        </p:nvPicPr>
-        <p:blipFill>
-          <a:blip r:embed="rId2" cstate="print"/>
-          <a:stretch>
-            <a:fillRect/>
-          </a:stretch>
-        </p:blipFill>
-        <p:spPr>
-          <a:xfrm>
-            <a:off x="3301848" y="1604963"/>
-            <a:ext cx="5586717" cy="3976687"/>
-          </a:xfrm>
-        </p:spPr>
-      </p:pic>
-    </p:spTree>
-  </p:cSld>
-  <p:clrMapOvr>
-    <a:masterClrMapping/>
-  </p:clrMapOvr>
-  <p:transition/>
-</p:sld>
-</file>
-
-<file path=ppt/slides/slide18.xml><?xml version="1.0" encoding="utf-8"?>
-<p:sld xmlns:a="http://schemas.openxmlformats.org/drawingml/2006/main" xmlns:r="http://schemas.openxmlformats.org/officeDocument/2006/relationships" xmlns:p="http://schemas.openxmlformats.org/presentationml/2006/main">
-  <p:cSld>
-    <p:spTree>
-      <p:nvGrpSpPr>
-        <p:cNvPr id="1" name=""/>
-        <p:cNvGrpSpPr/>
-        <p:nvPr/>
-      </p:nvGrpSpPr>
-      <p:grpSpPr>
-        <a:xfrm>
-          <a:off x="0" y="0"/>
-          <a:ext cx="0" cy="0"/>
-          <a:chOff x="0" y="0"/>
-          <a:chExt cx="0" cy="0"/>
-        </a:xfrm>
-      </p:grpSpPr>
-      <p:sp>
-        <p:nvSpPr>
-          <p:cNvPr id="2" name="Title 1"/>
-          <p:cNvSpPr>
-            <a:spLocks noGrp="1"/>
-          </p:cNvSpPr>
-          <p:nvPr>
-            <p:ph type="title"/>
-          </p:nvPr>
-        </p:nvSpPr>
-        <p:spPr>
-          <a:xfrm>
-            <a:off x="685800" y="2286000"/>
-            <a:ext cx="10972080" cy="1144440"/>
-          </a:xfrm>
-        </p:spPr>
-        <p:txBody>
-          <a:bodyPr/>
-          <a:lstStyle/>
-          <a:p>
-            <a:pPr>
-              <a:buNone/>
-            </a:pPr>
-            <a:r>
-              <a:rPr lang="en-US" dirty="0" err="1" smtClean="0">
-                <a:solidFill>
-                  <a:srgbClr val="FFC000"/>
-                </a:solidFill>
-              </a:rPr>
-              <a:t>Comparatii</a:t>
-            </a:r>
-            <a:r>
-              <a:rPr lang="en-US" dirty="0" smtClean="0">
-                <a:solidFill>
-                  <a:srgbClr val="FFC000"/>
-                </a:solidFill>
-              </a:rPr>
-              <a:t> </a:t>
-            </a:r>
-            <a:r>
-              <a:rPr lang="en-US" dirty="0" err="1" smtClean="0">
-                <a:solidFill>
-                  <a:srgbClr val="FFC000"/>
-                </a:solidFill>
-              </a:rPr>
-              <a:t>intre</a:t>
-            </a:r>
-            <a:r>
-              <a:rPr lang="en-US" dirty="0" smtClean="0">
-                <a:solidFill>
-                  <a:srgbClr val="FFC000"/>
-                </a:solidFill>
-              </a:rPr>
-              <a:t> </a:t>
-            </a:r>
-            <a:r>
-              <a:rPr lang="en-US" dirty="0" err="1" smtClean="0">
-                <a:solidFill>
-                  <a:srgbClr val="FFC000"/>
-                </a:solidFill>
-              </a:rPr>
-              <a:t>paralelizari</a:t>
-            </a:r>
-            <a:endParaRPr lang="en-US" dirty="0">
-              <a:solidFill>
-                <a:srgbClr val="FFC000"/>
-              </a:solidFill>
-            </a:endParaRPr>
-          </a:p>
-        </p:txBody>
-      </p:sp>
-    </p:spTree>
-  </p:cSld>
-  <p:clrMapOvr>
-    <a:masterClrMapping/>
-  </p:clrMapOvr>
-  <p:transition/>
-</p:sld>
-</file>
-
-<file path=ppt/slides/slide19.xml><?xml version="1.0" encoding="utf-8"?>
-<p:sld xmlns:a="http://schemas.openxmlformats.org/drawingml/2006/main" xmlns:r="http://schemas.openxmlformats.org/officeDocument/2006/relationships" xmlns:p="http://schemas.openxmlformats.org/presentationml/2006/main">
-  <p:cSld name="page19">
-    <p:spTree>
-      <p:nvGrpSpPr>
-        <p:cNvPr id="1" name=""/>
-        <p:cNvGrpSpPr/>
-        <p:nvPr/>
-      </p:nvGrpSpPr>
-      <p:grpSpPr>
-        <a:xfrm>
-          <a:off x="0" y="0"/>
-          <a:ext cx="0" cy="0"/>
-          <a:chOff x="0" y="0"/>
-          <a:chExt cx="0" cy="0"/>
-        </a:xfrm>
-      </p:grpSpPr>
-      <p:sp>
-        <p:nvSpPr>
-          <p:cNvPr id="3" name="Title 2"/>
-          <p:cNvSpPr>
-            <a:spLocks noGrp="1"/>
-          </p:cNvSpPr>
-          <p:nvPr>
-            <p:ph type="title"/>
-          </p:nvPr>
-        </p:nvSpPr>
-        <p:spPr/>
-        <p:txBody>
-          <a:bodyPr/>
-          <a:lstStyle/>
-          <a:p>
-            <a:pPr>
-              <a:buNone/>
-            </a:pPr>
-            <a:r>
-              <a:rPr lang="en-US" dirty="0" smtClean="0">
-                <a:solidFill>
-                  <a:srgbClr val="FFC000"/>
-                </a:solidFill>
-              </a:rPr>
-              <a:t>Hp-</a:t>
-            </a:r>
-            <a:r>
-              <a:rPr lang="en-US" dirty="0" err="1" smtClean="0">
-                <a:solidFill>
-                  <a:srgbClr val="FFC000"/>
-                </a:solidFill>
-              </a:rPr>
-              <a:t>sl.q</a:t>
-            </a:r>
-            <a:endParaRPr lang="en-US" dirty="0">
-              <a:solidFill>
-                <a:srgbClr val="FFC000"/>
-              </a:solidFill>
-            </a:endParaRPr>
-          </a:p>
-        </p:txBody>
-      </p:sp>
-      <p:pic>
-        <p:nvPicPr>
-          <p:cNvPr id="4" name="Content Placeholder 4" descr="47575433_505250206628357_751279617901330432_n.png"/>
-          <p:cNvPicPr>
-            <a:picLocks noChangeAspect="1"/>
-          </p:cNvPicPr>
-          <p:nvPr/>
-        </p:nvPicPr>
-        <p:blipFill>
-          <a:blip r:embed="rId3" cstate="print"/>
-          <a:stretch>
-            <a:fillRect/>
-          </a:stretch>
-        </p:blipFill>
-        <p:spPr>
-          <a:xfrm>
-            <a:off x="3309703" y="1604963"/>
-            <a:ext cx="5572594" cy="3976687"/>
-          </a:xfrm>
-          <a:prstGeom prst="rect">
-            <a:avLst/>
-          </a:prstGeom>
-        </p:spPr>
-      </p:pic>
-    </p:spTree>
-  </p:cSld>
-  <p:clrMapOvr>
-    <a:masterClrMapping/>
-  </p:clrMapOvr>
-  <p:transition/>
-  <p:timing>
-    <p:tnLst>
-      <p:par>
-        <p:cTn id="1" dur="indefinite" restart="never" nodeType="tmRoot"/>
-      </p:par>
-    </p:tnLst>
-  </p:timing>
 </p:sld>
 </file>
 
@@ -7518,6 +8316,1313 @@
 
 <file path=ppt/slides/slide20.xml><?xml version="1.0" encoding="utf-8"?>
 <p:sld xmlns:a="http://schemas.openxmlformats.org/drawingml/2006/main" xmlns:r="http://schemas.openxmlformats.org/officeDocument/2006/relationships" xmlns:p="http://schemas.openxmlformats.org/presentationml/2006/main">
+  <p:cSld>
+    <p:spTree>
+      <p:nvGrpSpPr>
+        <p:cNvPr id="1" name=""/>
+        <p:cNvGrpSpPr/>
+        <p:nvPr/>
+      </p:nvGrpSpPr>
+      <p:grpSpPr>
+        <a:xfrm>
+          <a:off x="0" y="0"/>
+          <a:ext cx="0" cy="0"/>
+          <a:chOff x="0" y="0"/>
+          <a:chExt cx="0" cy="0"/>
+        </a:xfrm>
+      </p:grpSpPr>
+      <p:sp>
+        <p:nvSpPr>
+          <p:cNvPr id="2" name="Title 1"/>
+          <p:cNvSpPr>
+            <a:spLocks noGrp="1"/>
+          </p:cNvSpPr>
+          <p:nvPr>
+            <p:ph type="title"/>
+          </p:nvPr>
+        </p:nvSpPr>
+        <p:spPr/>
+        <p:txBody>
+          <a:bodyPr/>
+          <a:lstStyle/>
+          <a:p>
+            <a:pPr>
+              <a:buNone/>
+            </a:pPr>
+            <a:r>
+              <a:rPr lang="en-US" dirty="0" err="1" smtClean="0">
+                <a:solidFill>
+                  <a:srgbClr val="FFC000"/>
+                </a:solidFill>
+              </a:rPr>
+              <a:t>Ibm-dp.q</a:t>
+            </a:r>
+            <a:endParaRPr lang="en-US" dirty="0">
+              <a:solidFill>
+                <a:srgbClr val="FFC000"/>
+              </a:solidFill>
+            </a:endParaRPr>
+          </a:p>
+        </p:txBody>
+      </p:sp>
+      <p:pic>
+        <p:nvPicPr>
+          <p:cNvPr id="4" name="Content Placeholder 3" descr="47680092_287543855276535_4504532451317514240_n.png"/>
+          <p:cNvPicPr>
+            <a:picLocks noGrp="1" noChangeAspect="1"/>
+          </p:cNvPicPr>
+          <p:nvPr>
+            <p:ph idx="1"/>
+          </p:nvPr>
+        </p:nvPicPr>
+        <p:blipFill>
+          <a:blip r:embed="rId2" cstate="print"/>
+          <a:stretch>
+            <a:fillRect/>
+          </a:stretch>
+        </p:blipFill>
+        <p:spPr>
+          <a:xfrm>
+            <a:off x="3266154" y="1604963"/>
+            <a:ext cx="5658105" cy="3976687"/>
+          </a:xfrm>
+        </p:spPr>
+      </p:pic>
+    </p:spTree>
+  </p:cSld>
+  <p:clrMapOvr>
+    <a:masterClrMapping/>
+  </p:clrMapOvr>
+  <p:transition/>
+</p:sld>
+</file>
+
+<file path=ppt/slides/slide21.xml><?xml version="1.0" encoding="utf-8"?>
+<p:sld xmlns:a="http://schemas.openxmlformats.org/drawingml/2006/main" xmlns:r="http://schemas.openxmlformats.org/officeDocument/2006/relationships" xmlns:p="http://schemas.openxmlformats.org/presentationml/2006/main">
+  <p:cSld>
+    <p:spTree>
+      <p:nvGrpSpPr>
+        <p:cNvPr id="1" name=""/>
+        <p:cNvGrpSpPr/>
+        <p:nvPr/>
+      </p:nvGrpSpPr>
+      <p:grpSpPr>
+        <a:xfrm>
+          <a:off x="0" y="0"/>
+          <a:ext cx="0" cy="0"/>
+          <a:chOff x="0" y="0"/>
+          <a:chExt cx="0" cy="0"/>
+        </a:xfrm>
+      </p:grpSpPr>
+      <p:sp>
+        <p:nvSpPr>
+          <p:cNvPr id="2" name="Title 1"/>
+          <p:cNvSpPr>
+            <a:spLocks noGrp="1"/>
+          </p:cNvSpPr>
+          <p:nvPr>
+            <p:ph type="title"/>
+          </p:nvPr>
+        </p:nvSpPr>
+        <p:spPr/>
+        <p:txBody>
+          <a:bodyPr/>
+          <a:lstStyle/>
+          <a:p>
+            <a:pPr>
+              <a:buNone/>
+            </a:pPr>
+            <a:r>
+              <a:rPr lang="en-US" dirty="0" smtClean="0">
+                <a:solidFill>
+                  <a:srgbClr val="FFC000"/>
+                </a:solidFill>
+              </a:rPr>
+              <a:t>Hp-</a:t>
+            </a:r>
+            <a:r>
+              <a:rPr lang="en-US" dirty="0" err="1" smtClean="0">
+                <a:solidFill>
+                  <a:srgbClr val="FFC000"/>
+                </a:solidFill>
+              </a:rPr>
+              <a:t>sl.q</a:t>
+            </a:r>
+            <a:r>
+              <a:rPr lang="en-US" dirty="0" smtClean="0">
+                <a:solidFill>
+                  <a:srgbClr val="FFC000"/>
+                </a:solidFill>
+              </a:rPr>
+              <a:t> &amp; </a:t>
+            </a:r>
+            <a:r>
+              <a:rPr lang="en-US" dirty="0" err="1" smtClean="0">
+                <a:solidFill>
+                  <a:srgbClr val="FFC000"/>
+                </a:solidFill>
+              </a:rPr>
+              <a:t>Ibm-dp.q</a:t>
+            </a:r>
+            <a:endParaRPr lang="en-US" dirty="0">
+              <a:solidFill>
+                <a:srgbClr val="FFC000"/>
+              </a:solidFill>
+            </a:endParaRPr>
+          </a:p>
+        </p:txBody>
+      </p:sp>
+      <p:pic>
+        <p:nvPicPr>
+          <p:cNvPr id="4" name="Content Placeholder 3" descr="48076024_1500113700092057_1159219309642252288_n.png"/>
+          <p:cNvPicPr>
+            <a:picLocks noGrp="1" noChangeAspect="1"/>
+          </p:cNvPicPr>
+          <p:nvPr>
+            <p:ph idx="1"/>
+          </p:nvPr>
+        </p:nvPicPr>
+        <p:blipFill>
+          <a:blip r:embed="rId2" cstate="print"/>
+          <a:stretch>
+            <a:fillRect/>
+          </a:stretch>
+        </p:blipFill>
+        <p:spPr>
+          <a:xfrm>
+            <a:off x="3301848" y="1604963"/>
+            <a:ext cx="5586717" cy="3976687"/>
+          </a:xfrm>
+        </p:spPr>
+      </p:pic>
+    </p:spTree>
+  </p:cSld>
+  <p:clrMapOvr>
+    <a:masterClrMapping/>
+  </p:clrMapOvr>
+  <p:transition/>
+</p:sld>
+</file>
+
+<file path=ppt/slides/slide22.xml><?xml version="1.0" encoding="utf-8"?>
+<p:sld xmlns:a="http://schemas.openxmlformats.org/drawingml/2006/main" xmlns:r="http://schemas.openxmlformats.org/officeDocument/2006/relationships" xmlns:p="http://schemas.openxmlformats.org/presentationml/2006/main">
+  <p:cSld>
+    <p:spTree>
+      <p:nvGrpSpPr>
+        <p:cNvPr id="1" name=""/>
+        <p:cNvGrpSpPr/>
+        <p:nvPr/>
+      </p:nvGrpSpPr>
+      <p:grpSpPr>
+        <a:xfrm>
+          <a:off x="0" y="0"/>
+          <a:ext cx="0" cy="0"/>
+          <a:chOff x="0" y="0"/>
+          <a:chExt cx="0" cy="0"/>
+        </a:xfrm>
+      </p:grpSpPr>
+      <p:sp>
+        <p:nvSpPr>
+          <p:cNvPr id="2" name="Title 1"/>
+          <p:cNvSpPr>
+            <a:spLocks noGrp="1"/>
+          </p:cNvSpPr>
+          <p:nvPr>
+            <p:ph type="title"/>
+          </p:nvPr>
+        </p:nvSpPr>
+        <p:spPr>
+          <a:xfrm>
+            <a:off x="609600" y="533400"/>
+            <a:ext cx="10972440" cy="1144800"/>
+          </a:xfrm>
+        </p:spPr>
+        <p:txBody>
+          <a:bodyPr/>
+          <a:lstStyle/>
+          <a:p>
+            <a:pPr>
+              <a:buNone/>
+            </a:pPr>
+            <a:r>
+              <a:rPr lang="en-US" dirty="0" err="1" smtClean="0">
+                <a:solidFill>
+                  <a:srgbClr val="FFC000"/>
+                </a:solidFill>
+              </a:rPr>
+              <a:t>Timpii</a:t>
+            </a:r>
+            <a:r>
+              <a:rPr lang="en-US" dirty="0" smtClean="0">
+                <a:solidFill>
+                  <a:srgbClr val="FFC000"/>
+                </a:solidFill>
+              </a:rPr>
+              <a:t> de </a:t>
+            </a:r>
+            <a:r>
+              <a:rPr lang="en-US" dirty="0" err="1" smtClean="0">
+                <a:solidFill>
+                  <a:srgbClr val="FFC000"/>
+                </a:solidFill>
+              </a:rPr>
+              <a:t>executie</a:t>
+            </a:r>
+            <a:r>
+              <a:rPr lang="en-US" dirty="0" smtClean="0">
+                <a:solidFill>
+                  <a:srgbClr val="FFC000"/>
+                </a:solidFill>
+              </a:rPr>
+              <a:t> </a:t>
+            </a:r>
+            <a:r>
+              <a:rPr lang="en-US" dirty="0" err="1" smtClean="0">
+                <a:solidFill>
+                  <a:srgbClr val="FFC000"/>
+                </a:solidFill>
+              </a:rPr>
+              <a:t>pe</a:t>
+            </a:r>
+            <a:r>
+              <a:rPr lang="en-US" dirty="0" smtClean="0">
+                <a:solidFill>
+                  <a:srgbClr val="FFC000"/>
+                </a:solidFill>
+              </a:rPr>
+              <a:t> </a:t>
+            </a:r>
+            <a:r>
+              <a:rPr lang="en-US" dirty="0" err="1" smtClean="0">
+                <a:solidFill>
+                  <a:srgbClr val="FFC000"/>
+                </a:solidFill>
+              </a:rPr>
+              <a:t>cele</a:t>
+            </a:r>
+            <a:r>
+              <a:rPr lang="en-US" dirty="0" smtClean="0">
+                <a:solidFill>
+                  <a:srgbClr val="FFC000"/>
+                </a:solidFill>
+              </a:rPr>
+              <a:t> 2 </a:t>
+            </a:r>
+            <a:r>
+              <a:rPr lang="en-US" dirty="0" err="1" smtClean="0">
+                <a:solidFill>
+                  <a:srgbClr val="FFC000"/>
+                </a:solidFill>
+              </a:rPr>
+              <a:t>cozi</a:t>
+            </a:r>
+            <a:r>
+              <a:rPr lang="en-US" dirty="0" smtClean="0">
+                <a:solidFill>
+                  <a:srgbClr val="FFC000"/>
+                </a:solidFill>
+              </a:rPr>
+              <a:t/>
+            </a:r>
+            <a:br>
+              <a:rPr lang="en-US" dirty="0" smtClean="0">
+                <a:solidFill>
+                  <a:srgbClr val="FFC000"/>
+                </a:solidFill>
+              </a:rPr>
+            </a:br>
+            <a:r>
+              <a:rPr lang="en-US" dirty="0" smtClean="0">
+                <a:solidFill>
+                  <a:srgbClr val="FFC000"/>
+                </a:solidFill>
+              </a:rPr>
+              <a:t>3</a:t>
+            </a:r>
+            <a:r>
+              <a:rPr lang="en-US" dirty="0" smtClean="0">
+                <a:solidFill>
+                  <a:srgbClr val="FFC000"/>
+                </a:solidFill>
+              </a:rPr>
+              <a:t>000x3000</a:t>
+            </a:r>
+            <a:endParaRPr lang="en-US" dirty="0">
+              <a:solidFill>
+                <a:srgbClr val="FFC000"/>
+              </a:solidFill>
+            </a:endParaRPr>
+          </a:p>
+        </p:txBody>
+      </p:sp>
+      <p:graphicFrame>
+        <p:nvGraphicFramePr>
+          <p:cNvPr id="5" name="Content Placeholder 4"/>
+          <p:cNvGraphicFramePr>
+            <a:graphicFrameLocks noGrp="1"/>
+          </p:cNvGraphicFramePr>
+          <p:nvPr>
+            <p:ph idx="1"/>
+          </p:nvPr>
+        </p:nvGraphicFramePr>
+        <p:xfrm>
+          <a:off x="609600" y="2133600"/>
+          <a:ext cx="10972800" cy="2595880"/>
+        </p:xfrm>
+        <a:graphic>
+          <a:graphicData uri="http://schemas.openxmlformats.org/drawingml/2006/table">
+            <a:tbl>
+              <a:tblPr firstRow="1" bandRow="1">
+                <a:tableStyleId>{5C22544A-7EE6-4342-B048-85BDC9FD1C3A}</a:tableStyleId>
+              </a:tblPr>
+              <a:tblGrid>
+                <a:gridCol w="3657600"/>
+                <a:gridCol w="3657600"/>
+                <a:gridCol w="3657600"/>
+              </a:tblGrid>
+              <a:tr h="370840">
+                <a:tc>
+                  <a:txBody>
+                    <a:bodyPr/>
+                    <a:lstStyle/>
+                    <a:p>
+                      <a:r>
+                        <a:rPr lang="en-US" dirty="0" smtClean="0"/>
+                        <a:t>3000x3000</a:t>
+                      </a:r>
+                      <a:endParaRPr lang="en-US" dirty="0"/>
+                    </a:p>
+                  </a:txBody>
+                  <a:tcPr/>
+                </a:tc>
+                <a:tc>
+                  <a:txBody>
+                    <a:bodyPr/>
+                    <a:lstStyle/>
+                    <a:p>
+                      <a:r>
+                        <a:rPr lang="en-US" dirty="0" smtClean="0"/>
+                        <a:t>Hp-</a:t>
+                      </a:r>
+                      <a:r>
+                        <a:rPr lang="en-US" dirty="0" err="1" smtClean="0"/>
+                        <a:t>sl.q</a:t>
+                      </a:r>
+                      <a:endParaRPr lang="en-US" dirty="0"/>
+                    </a:p>
+                  </a:txBody>
+                  <a:tcPr/>
+                </a:tc>
+                <a:tc>
+                  <a:txBody>
+                    <a:bodyPr/>
+                    <a:lstStyle/>
+                    <a:p>
+                      <a:r>
+                        <a:rPr lang="en-US" dirty="0" err="1" smtClean="0"/>
+                        <a:t>Ibm-dp.q</a:t>
+                      </a:r>
+                      <a:endParaRPr lang="en-US" dirty="0"/>
+                    </a:p>
+                  </a:txBody>
+                  <a:tcPr/>
+                </a:tc>
+              </a:tr>
+              <a:tr h="370840">
+                <a:tc>
+                  <a:txBody>
+                    <a:bodyPr/>
+                    <a:lstStyle/>
+                    <a:p>
+                      <a:r>
+                        <a:rPr lang="en-US" dirty="0" smtClean="0"/>
+                        <a:t>Serial </a:t>
+                      </a:r>
+                      <a:endParaRPr lang="en-US" dirty="0"/>
+                    </a:p>
+                  </a:txBody>
+                  <a:tcPr/>
+                </a:tc>
+                <a:tc>
+                  <a:txBody>
+                    <a:bodyPr/>
+                    <a:lstStyle/>
+                    <a:p>
+                      <a:r>
+                        <a:rPr lang="en-US" dirty="0" smtClean="0"/>
+                        <a:t>54.582s</a:t>
+                      </a:r>
+                      <a:endParaRPr lang="en-US" dirty="0"/>
+                    </a:p>
+                  </a:txBody>
+                  <a:tcPr/>
+                </a:tc>
+                <a:tc>
+                  <a:txBody>
+                    <a:bodyPr/>
+                    <a:lstStyle/>
+                    <a:p>
+                      <a:r>
+                        <a:rPr lang="en-US" dirty="0" smtClean="0"/>
+                        <a:t>49.742s</a:t>
+                      </a:r>
+                      <a:endParaRPr lang="en-US" dirty="0"/>
+                    </a:p>
+                  </a:txBody>
+                  <a:tcPr/>
+                </a:tc>
+              </a:tr>
+              <a:tr h="370840">
+                <a:tc>
+                  <a:txBody>
+                    <a:bodyPr/>
+                    <a:lstStyle/>
+                    <a:p>
+                      <a:r>
+                        <a:rPr lang="en-US" dirty="0" smtClean="0"/>
+                        <a:t>2</a:t>
+                      </a:r>
+                      <a:r>
+                        <a:rPr lang="en-US" baseline="0" dirty="0" smtClean="0"/>
+                        <a:t> thread-</a:t>
+                      </a:r>
+                      <a:r>
+                        <a:rPr lang="en-US" baseline="0" dirty="0" err="1" smtClean="0"/>
+                        <a:t>uri</a:t>
+                      </a:r>
+                      <a:endParaRPr lang="en-US" dirty="0"/>
+                    </a:p>
+                  </a:txBody>
+                  <a:tcPr/>
+                </a:tc>
+                <a:tc>
+                  <a:txBody>
+                    <a:bodyPr/>
+                    <a:lstStyle/>
+                    <a:p>
+                      <a:r>
+                        <a:rPr lang="en-US" dirty="0" smtClean="0"/>
+                        <a:t>29.879s</a:t>
+                      </a:r>
+                      <a:endParaRPr lang="en-US" dirty="0"/>
+                    </a:p>
+                  </a:txBody>
+                  <a:tcPr/>
+                </a:tc>
+                <a:tc>
+                  <a:txBody>
+                    <a:bodyPr/>
+                    <a:lstStyle/>
+                    <a:p>
+                      <a:r>
+                        <a:rPr lang="en-US" dirty="0" smtClean="0"/>
+                        <a:t>33.022s</a:t>
+                      </a:r>
+                      <a:endParaRPr lang="en-US" dirty="0"/>
+                    </a:p>
+                  </a:txBody>
+                  <a:tcPr/>
+                </a:tc>
+              </a:tr>
+              <a:tr h="370840">
+                <a:tc>
+                  <a:txBody>
+                    <a:bodyPr/>
+                    <a:lstStyle/>
+                    <a:p>
+                      <a:r>
+                        <a:rPr lang="en-US" dirty="0" smtClean="0"/>
+                        <a:t>4 </a:t>
+                      </a:r>
+                      <a:r>
+                        <a:rPr lang="en-US" baseline="0" dirty="0" smtClean="0"/>
+                        <a:t>thread-</a:t>
+                      </a:r>
+                      <a:r>
+                        <a:rPr lang="en-US" baseline="0" dirty="0" err="1" smtClean="0"/>
+                        <a:t>uri</a:t>
+                      </a:r>
+                      <a:endParaRPr lang="en-US" dirty="0"/>
+                    </a:p>
+                  </a:txBody>
+                  <a:tcPr/>
+                </a:tc>
+                <a:tc>
+                  <a:txBody>
+                    <a:bodyPr/>
+                    <a:lstStyle/>
+                    <a:p>
+                      <a:r>
+                        <a:rPr lang="en-US" dirty="0" smtClean="0"/>
+                        <a:t>14.635s</a:t>
+                      </a:r>
+                      <a:endParaRPr lang="en-US" dirty="0"/>
+                    </a:p>
+                  </a:txBody>
+                  <a:tcPr/>
+                </a:tc>
+                <a:tc>
+                  <a:txBody>
+                    <a:bodyPr/>
+                    <a:lstStyle/>
+                    <a:p>
+                      <a:r>
+                        <a:rPr lang="en-US" dirty="0" smtClean="0"/>
+                        <a:t>22.019s</a:t>
+                      </a:r>
+                      <a:endParaRPr lang="en-US" dirty="0"/>
+                    </a:p>
+                  </a:txBody>
+                  <a:tcPr/>
+                </a:tc>
+              </a:tr>
+              <a:tr h="370840">
+                <a:tc>
+                  <a:txBody>
+                    <a:bodyPr/>
+                    <a:lstStyle/>
+                    <a:p>
+                      <a:r>
+                        <a:rPr lang="en-US" dirty="0" smtClean="0"/>
+                        <a:t>8</a:t>
+                      </a:r>
+                      <a:r>
+                        <a:rPr lang="en-US" baseline="0" dirty="0" smtClean="0"/>
+                        <a:t> thread-</a:t>
+                      </a:r>
+                      <a:r>
+                        <a:rPr lang="en-US" baseline="0" dirty="0" err="1" smtClean="0"/>
+                        <a:t>uri</a:t>
+                      </a:r>
+                      <a:endParaRPr lang="en-US" dirty="0"/>
+                    </a:p>
+                  </a:txBody>
+                  <a:tcPr/>
+                </a:tc>
+                <a:tc>
+                  <a:txBody>
+                    <a:bodyPr/>
+                    <a:lstStyle/>
+                    <a:p>
+                      <a:r>
+                        <a:rPr lang="en-US" dirty="0" smtClean="0"/>
+                        <a:t>9.226s</a:t>
+                      </a:r>
+                      <a:endParaRPr lang="en-US" dirty="0"/>
+                    </a:p>
+                  </a:txBody>
+                  <a:tcPr/>
+                </a:tc>
+                <a:tc>
+                  <a:txBody>
+                    <a:bodyPr/>
+                    <a:lstStyle/>
+                    <a:p>
+                      <a:r>
+                        <a:rPr lang="en-US" dirty="0" smtClean="0"/>
+                        <a:t>17.378s</a:t>
+                      </a:r>
+                      <a:endParaRPr lang="en-US" dirty="0"/>
+                    </a:p>
+                  </a:txBody>
+                  <a:tcPr/>
+                </a:tc>
+              </a:tr>
+              <a:tr h="370840">
+                <a:tc>
+                  <a:txBody>
+                    <a:bodyPr/>
+                    <a:lstStyle/>
+                    <a:p>
+                      <a:r>
+                        <a:rPr lang="en-US" dirty="0" smtClean="0"/>
+                        <a:t>12 </a:t>
+                      </a:r>
+                      <a:r>
+                        <a:rPr lang="en-US" baseline="0" dirty="0" smtClean="0"/>
+                        <a:t>thread-</a:t>
+                      </a:r>
+                      <a:r>
+                        <a:rPr lang="en-US" baseline="0" dirty="0" err="1" smtClean="0"/>
+                        <a:t>uri</a:t>
+                      </a:r>
+                      <a:endParaRPr lang="en-US" dirty="0"/>
+                    </a:p>
+                  </a:txBody>
+                  <a:tcPr/>
+                </a:tc>
+                <a:tc>
+                  <a:txBody>
+                    <a:bodyPr/>
+                    <a:lstStyle/>
+                    <a:p>
+                      <a:r>
+                        <a:rPr lang="en-US" dirty="0" smtClean="0"/>
+                        <a:t>9.402s</a:t>
+                      </a:r>
+                      <a:endParaRPr lang="en-US" dirty="0"/>
+                    </a:p>
+                  </a:txBody>
+                  <a:tcPr/>
+                </a:tc>
+                <a:tc>
+                  <a:txBody>
+                    <a:bodyPr/>
+                    <a:lstStyle/>
+                    <a:p>
+                      <a:r>
+                        <a:rPr lang="en-US" dirty="0" smtClean="0"/>
+                        <a:t>10.649s</a:t>
+                      </a:r>
+                      <a:endParaRPr lang="en-US" dirty="0"/>
+                    </a:p>
+                  </a:txBody>
+                  <a:tcPr/>
+                </a:tc>
+              </a:tr>
+              <a:tr h="370840">
+                <a:tc>
+                  <a:txBody>
+                    <a:bodyPr/>
+                    <a:lstStyle/>
+                    <a:p>
+                      <a:r>
+                        <a:rPr lang="en-US" dirty="0" smtClean="0"/>
+                        <a:t>16</a:t>
+                      </a:r>
+                      <a:r>
+                        <a:rPr lang="en-US" baseline="0" dirty="0" smtClean="0"/>
+                        <a:t> thread-</a:t>
+                      </a:r>
+                      <a:r>
+                        <a:rPr lang="en-US" baseline="0" dirty="0" err="1" smtClean="0"/>
+                        <a:t>uri</a:t>
+                      </a:r>
+                      <a:endParaRPr lang="en-US" dirty="0"/>
+                    </a:p>
+                  </a:txBody>
+                  <a:tcPr/>
+                </a:tc>
+                <a:tc>
+                  <a:txBody>
+                    <a:bodyPr/>
+                    <a:lstStyle/>
+                    <a:p>
+                      <a:r>
+                        <a:rPr lang="en-US" dirty="0" smtClean="0"/>
+                        <a:t>9.543s</a:t>
+                      </a:r>
+                      <a:endParaRPr lang="en-US" dirty="0"/>
+                    </a:p>
+                  </a:txBody>
+                  <a:tcPr/>
+                </a:tc>
+                <a:tc>
+                  <a:txBody>
+                    <a:bodyPr/>
+                    <a:lstStyle/>
+                    <a:p>
+                      <a:r>
+                        <a:rPr lang="en-US" dirty="0" smtClean="0"/>
+                        <a:t>11.301s</a:t>
+                      </a:r>
+                      <a:endParaRPr lang="en-US" dirty="0"/>
+                    </a:p>
+                  </a:txBody>
+                  <a:tcPr/>
+                </a:tc>
+              </a:tr>
+            </a:tbl>
+          </a:graphicData>
+        </a:graphic>
+      </p:graphicFrame>
+    </p:spTree>
+  </p:cSld>
+  <p:clrMapOvr>
+    <a:masterClrMapping/>
+  </p:clrMapOvr>
+  <p:transition/>
+</p:sld>
+</file>
+
+<file path=ppt/slides/slide23.xml><?xml version="1.0" encoding="utf-8"?>
+<p:sld xmlns:a="http://schemas.openxmlformats.org/drawingml/2006/main" xmlns:r="http://schemas.openxmlformats.org/officeDocument/2006/relationships" xmlns:p="http://schemas.openxmlformats.org/presentationml/2006/main">
+  <p:cSld>
+    <p:spTree>
+      <p:nvGrpSpPr>
+        <p:cNvPr id="1" name=""/>
+        <p:cNvGrpSpPr/>
+        <p:nvPr/>
+      </p:nvGrpSpPr>
+      <p:grpSpPr>
+        <a:xfrm>
+          <a:off x="0" y="0"/>
+          <a:ext cx="0" cy="0"/>
+          <a:chOff x="0" y="0"/>
+          <a:chExt cx="0" cy="0"/>
+        </a:xfrm>
+      </p:grpSpPr>
+      <p:sp>
+        <p:nvSpPr>
+          <p:cNvPr id="2" name="Title 1"/>
+          <p:cNvSpPr>
+            <a:spLocks noGrp="1"/>
+          </p:cNvSpPr>
+          <p:nvPr>
+            <p:ph type="title"/>
+          </p:nvPr>
+        </p:nvSpPr>
+        <p:spPr/>
+        <p:txBody>
+          <a:bodyPr/>
+          <a:lstStyle/>
+          <a:p>
+            <a:pPr>
+              <a:buNone/>
+            </a:pPr>
+            <a:r>
+              <a:rPr lang="en-US" dirty="0" smtClean="0">
+                <a:solidFill>
+                  <a:srgbClr val="FFC000"/>
+                </a:solidFill>
+              </a:rPr>
+              <a:t>Hp-</a:t>
+            </a:r>
+            <a:r>
+              <a:rPr lang="en-US" dirty="0" err="1" smtClean="0">
+                <a:solidFill>
+                  <a:srgbClr val="FFC000"/>
+                </a:solidFill>
+              </a:rPr>
+              <a:t>sl.q</a:t>
+            </a:r>
+            <a:endParaRPr lang="en-US" dirty="0">
+              <a:solidFill>
+                <a:srgbClr val="FFC000"/>
+              </a:solidFill>
+            </a:endParaRPr>
+          </a:p>
+        </p:txBody>
+      </p:sp>
+      <p:pic>
+        <p:nvPicPr>
+          <p:cNvPr id="7170" name="Picture 2"/>
+          <p:cNvPicPr>
+            <a:picLocks noChangeAspect="1" noChangeArrowheads="1"/>
+          </p:cNvPicPr>
+          <p:nvPr/>
+        </p:nvPicPr>
+        <p:blipFill>
+          <a:blip r:embed="rId2" cstate="print"/>
+          <a:srcRect/>
+          <a:stretch>
+            <a:fillRect/>
+          </a:stretch>
+        </p:blipFill>
+        <p:spPr bwMode="auto">
+          <a:xfrm>
+            <a:off x="2895600" y="1447800"/>
+            <a:ext cx="6067425" cy="4276725"/>
+          </a:xfrm>
+          <a:prstGeom prst="rect">
+            <a:avLst/>
+          </a:prstGeom>
+          <a:noFill/>
+          <a:ln w="9525">
+            <a:noFill/>
+            <a:miter lim="800000"/>
+            <a:headEnd/>
+            <a:tailEnd/>
+          </a:ln>
+          <a:effectLst/>
+        </p:spPr>
+      </p:pic>
+    </p:spTree>
+  </p:cSld>
+  <p:clrMapOvr>
+    <a:masterClrMapping/>
+  </p:clrMapOvr>
+  <p:transition/>
+</p:sld>
+</file>
+
+<file path=ppt/slides/slide24.xml><?xml version="1.0" encoding="utf-8"?>
+<p:sld xmlns:a="http://schemas.openxmlformats.org/drawingml/2006/main" xmlns:r="http://schemas.openxmlformats.org/officeDocument/2006/relationships" xmlns:p="http://schemas.openxmlformats.org/presentationml/2006/main">
+  <p:cSld>
+    <p:spTree>
+      <p:nvGrpSpPr>
+        <p:cNvPr id="1" name=""/>
+        <p:cNvGrpSpPr/>
+        <p:nvPr/>
+      </p:nvGrpSpPr>
+      <p:grpSpPr>
+        <a:xfrm>
+          <a:off x="0" y="0"/>
+          <a:ext cx="0" cy="0"/>
+          <a:chOff x="0" y="0"/>
+          <a:chExt cx="0" cy="0"/>
+        </a:xfrm>
+      </p:grpSpPr>
+      <p:sp>
+        <p:nvSpPr>
+          <p:cNvPr id="2" name="Title 1"/>
+          <p:cNvSpPr>
+            <a:spLocks noGrp="1"/>
+          </p:cNvSpPr>
+          <p:nvPr>
+            <p:ph type="title"/>
+          </p:nvPr>
+        </p:nvSpPr>
+        <p:spPr/>
+        <p:txBody>
+          <a:bodyPr/>
+          <a:lstStyle/>
+          <a:p>
+            <a:pPr>
+              <a:buNone/>
+            </a:pPr>
+            <a:r>
+              <a:rPr lang="en-US" dirty="0" err="1" smtClean="0">
+                <a:solidFill>
+                  <a:srgbClr val="FFC000"/>
+                </a:solidFill>
+              </a:rPr>
+              <a:t>Ibm-dp.q</a:t>
+            </a:r>
+            <a:endParaRPr lang="en-US" dirty="0">
+              <a:solidFill>
+                <a:srgbClr val="FFC000"/>
+              </a:solidFill>
+            </a:endParaRPr>
+          </a:p>
+        </p:txBody>
+      </p:sp>
+      <p:pic>
+        <p:nvPicPr>
+          <p:cNvPr id="8194" name="Picture 2"/>
+          <p:cNvPicPr>
+            <a:picLocks noGrp="1" noChangeAspect="1" noChangeArrowheads="1"/>
+          </p:cNvPicPr>
+          <p:nvPr>
+            <p:ph idx="1"/>
+          </p:nvPr>
+        </p:nvPicPr>
+        <p:blipFill>
+          <a:blip r:embed="rId2" cstate="print"/>
+          <a:srcRect/>
+          <a:stretch>
+            <a:fillRect/>
+          </a:stretch>
+        </p:blipFill>
+        <p:spPr bwMode="auto">
+          <a:xfrm>
+            <a:off x="3295654" y="1604963"/>
+            <a:ext cx="5599105" cy="3976687"/>
+          </a:xfrm>
+          <a:prstGeom prst="rect">
+            <a:avLst/>
+          </a:prstGeom>
+          <a:noFill/>
+          <a:ln w="9525">
+            <a:noFill/>
+            <a:miter lim="800000"/>
+            <a:headEnd/>
+            <a:tailEnd/>
+          </a:ln>
+          <a:effectLst/>
+        </p:spPr>
+      </p:pic>
+    </p:spTree>
+  </p:cSld>
+  <p:clrMapOvr>
+    <a:masterClrMapping/>
+  </p:clrMapOvr>
+  <p:transition/>
+</p:sld>
+</file>
+
+<file path=ppt/slides/slide25.xml><?xml version="1.0" encoding="utf-8"?>
+<p:sld xmlns:a="http://schemas.openxmlformats.org/drawingml/2006/main" xmlns:r="http://schemas.openxmlformats.org/officeDocument/2006/relationships" xmlns:p="http://schemas.openxmlformats.org/presentationml/2006/main">
+  <p:cSld>
+    <p:spTree>
+      <p:nvGrpSpPr>
+        <p:cNvPr id="1" name=""/>
+        <p:cNvGrpSpPr/>
+        <p:nvPr/>
+      </p:nvGrpSpPr>
+      <p:grpSpPr>
+        <a:xfrm>
+          <a:off x="0" y="0"/>
+          <a:ext cx="0" cy="0"/>
+          <a:chOff x="0" y="0"/>
+          <a:chExt cx="0" cy="0"/>
+        </a:xfrm>
+      </p:grpSpPr>
+      <p:sp>
+        <p:nvSpPr>
+          <p:cNvPr id="2" name="Title 1"/>
+          <p:cNvSpPr>
+            <a:spLocks noGrp="1"/>
+          </p:cNvSpPr>
+          <p:nvPr>
+            <p:ph type="title"/>
+          </p:nvPr>
+        </p:nvSpPr>
+        <p:spPr/>
+        <p:txBody>
+          <a:bodyPr/>
+          <a:lstStyle/>
+          <a:p>
+            <a:pPr>
+              <a:buNone/>
+            </a:pPr>
+            <a:r>
+              <a:rPr lang="en-US" dirty="0" smtClean="0">
+                <a:solidFill>
+                  <a:srgbClr val="FFC000"/>
+                </a:solidFill>
+              </a:rPr>
+              <a:t>Hp-</a:t>
+            </a:r>
+            <a:r>
+              <a:rPr lang="en-US" dirty="0" err="1" smtClean="0">
+                <a:solidFill>
+                  <a:srgbClr val="FFC000"/>
+                </a:solidFill>
+              </a:rPr>
+              <a:t>sl.q</a:t>
+            </a:r>
+            <a:r>
+              <a:rPr lang="en-US" dirty="0" smtClean="0">
+                <a:solidFill>
+                  <a:srgbClr val="FFC000"/>
+                </a:solidFill>
+              </a:rPr>
+              <a:t> &amp; </a:t>
+            </a:r>
+            <a:r>
+              <a:rPr lang="en-US" dirty="0" err="1" smtClean="0">
+                <a:solidFill>
+                  <a:srgbClr val="FFC000"/>
+                </a:solidFill>
+              </a:rPr>
+              <a:t>Ibm-dp.q</a:t>
+            </a:r>
+            <a:endParaRPr lang="en-US" dirty="0">
+              <a:solidFill>
+                <a:srgbClr val="FFC000"/>
+              </a:solidFill>
+            </a:endParaRPr>
+          </a:p>
+        </p:txBody>
+      </p:sp>
+      <p:pic>
+        <p:nvPicPr>
+          <p:cNvPr id="9218" name="Picture 2"/>
+          <p:cNvPicPr>
+            <a:picLocks noGrp="1" noChangeAspect="1" noChangeArrowheads="1"/>
+          </p:cNvPicPr>
+          <p:nvPr>
+            <p:ph idx="1"/>
+          </p:nvPr>
+        </p:nvPicPr>
+        <p:blipFill>
+          <a:blip r:embed="rId2" cstate="print"/>
+          <a:srcRect/>
+          <a:stretch>
+            <a:fillRect/>
+          </a:stretch>
+        </p:blipFill>
+        <p:spPr bwMode="auto">
+          <a:xfrm>
+            <a:off x="3295654" y="1604963"/>
+            <a:ext cx="5599105" cy="3976687"/>
+          </a:xfrm>
+          <a:prstGeom prst="rect">
+            <a:avLst/>
+          </a:prstGeom>
+          <a:noFill/>
+          <a:ln w="9525">
+            <a:noFill/>
+            <a:miter lim="800000"/>
+            <a:headEnd/>
+            <a:tailEnd/>
+          </a:ln>
+          <a:effectLst/>
+        </p:spPr>
+      </p:pic>
+    </p:spTree>
+  </p:cSld>
+  <p:clrMapOvr>
+    <a:masterClrMapping/>
+  </p:clrMapOvr>
+  <p:transition/>
+</p:sld>
+</file>
+
+<file path=ppt/slides/slide26.xml><?xml version="1.0" encoding="utf-8"?>
+<p:sld xmlns:a="http://schemas.openxmlformats.org/drawingml/2006/main" xmlns:r="http://schemas.openxmlformats.org/officeDocument/2006/relationships" xmlns:p="http://schemas.openxmlformats.org/presentationml/2006/main">
+  <p:cSld>
+    <p:spTree>
+      <p:nvGrpSpPr>
+        <p:cNvPr id="1" name=""/>
+        <p:cNvGrpSpPr/>
+        <p:nvPr/>
+      </p:nvGrpSpPr>
+      <p:grpSpPr>
+        <a:xfrm>
+          <a:off x="0" y="0"/>
+          <a:ext cx="0" cy="0"/>
+          <a:chOff x="0" y="0"/>
+          <a:chExt cx="0" cy="0"/>
+        </a:xfrm>
+      </p:grpSpPr>
+      <p:sp>
+        <p:nvSpPr>
+          <p:cNvPr id="2" name="Title 1"/>
+          <p:cNvSpPr>
+            <a:spLocks noGrp="1"/>
+          </p:cNvSpPr>
+          <p:nvPr>
+            <p:ph type="title"/>
+          </p:nvPr>
+        </p:nvSpPr>
+        <p:spPr>
+          <a:xfrm>
+            <a:off x="685800" y="2286000"/>
+            <a:ext cx="10972080" cy="1144440"/>
+          </a:xfrm>
+        </p:spPr>
+        <p:txBody>
+          <a:bodyPr/>
+          <a:lstStyle/>
+          <a:p>
+            <a:pPr>
+              <a:buNone/>
+            </a:pPr>
+            <a:r>
+              <a:rPr lang="en-US" dirty="0" err="1" smtClean="0">
+                <a:solidFill>
+                  <a:srgbClr val="FFC000"/>
+                </a:solidFill>
+              </a:rPr>
+              <a:t>Comparatii</a:t>
+            </a:r>
+            <a:r>
+              <a:rPr lang="en-US" dirty="0" smtClean="0">
+                <a:solidFill>
+                  <a:srgbClr val="FFC000"/>
+                </a:solidFill>
+              </a:rPr>
+              <a:t> </a:t>
+            </a:r>
+            <a:r>
+              <a:rPr lang="en-US" dirty="0" err="1" smtClean="0">
+                <a:solidFill>
+                  <a:srgbClr val="FFC000"/>
+                </a:solidFill>
+              </a:rPr>
+              <a:t>intre</a:t>
+            </a:r>
+            <a:r>
+              <a:rPr lang="en-US" dirty="0" smtClean="0">
+                <a:solidFill>
+                  <a:srgbClr val="FFC000"/>
+                </a:solidFill>
+              </a:rPr>
+              <a:t> </a:t>
+            </a:r>
+            <a:r>
+              <a:rPr lang="en-US" dirty="0" err="1" smtClean="0">
+                <a:solidFill>
+                  <a:srgbClr val="FFC000"/>
+                </a:solidFill>
+              </a:rPr>
+              <a:t>paralelizari</a:t>
+            </a:r>
+            <a:endParaRPr lang="en-US" dirty="0">
+              <a:solidFill>
+                <a:srgbClr val="FFC000"/>
+              </a:solidFill>
+            </a:endParaRPr>
+          </a:p>
+        </p:txBody>
+      </p:sp>
+    </p:spTree>
+  </p:cSld>
+  <p:clrMapOvr>
+    <a:masterClrMapping/>
+  </p:clrMapOvr>
+  <p:transition/>
+</p:sld>
+</file>
+
+<file path=ppt/slides/slide27.xml><?xml version="1.0" encoding="utf-8"?>
+<p:sld xmlns:a="http://schemas.openxmlformats.org/drawingml/2006/main" xmlns:r="http://schemas.openxmlformats.org/officeDocument/2006/relationships" xmlns:p="http://schemas.openxmlformats.org/presentationml/2006/main">
+  <p:cSld>
+    <p:spTree>
+      <p:nvGrpSpPr>
+        <p:cNvPr id="1" name=""/>
+        <p:cNvGrpSpPr/>
+        <p:nvPr/>
+      </p:nvGrpSpPr>
+      <p:grpSpPr>
+        <a:xfrm>
+          <a:off x="0" y="0"/>
+          <a:ext cx="0" cy="0"/>
+          <a:chOff x="0" y="0"/>
+          <a:chExt cx="0" cy="0"/>
+        </a:xfrm>
+      </p:grpSpPr>
+      <p:sp>
+        <p:nvSpPr>
+          <p:cNvPr id="2" name="Title 1"/>
+          <p:cNvSpPr>
+            <a:spLocks noGrp="1"/>
+          </p:cNvSpPr>
+          <p:nvPr>
+            <p:ph type="title"/>
+          </p:nvPr>
+        </p:nvSpPr>
+        <p:spPr>
+          <a:xfrm>
+            <a:off x="609600" y="2438400"/>
+            <a:ext cx="10972080" cy="1144440"/>
+          </a:xfrm>
+        </p:spPr>
+        <p:txBody>
+          <a:bodyPr/>
+          <a:lstStyle/>
+          <a:p>
+            <a:pPr>
+              <a:buNone/>
+            </a:pPr>
+            <a:r>
+              <a:rPr lang="en-US" b="1" dirty="0" smtClean="0">
+                <a:solidFill>
+                  <a:schemeClr val="bg1"/>
+                </a:solidFill>
+              </a:rPr>
+              <a:t>1000x1000</a:t>
+            </a:r>
+            <a:endParaRPr lang="en-US" b="1" dirty="0">
+              <a:solidFill>
+                <a:schemeClr val="bg1"/>
+              </a:solidFill>
+            </a:endParaRPr>
+          </a:p>
+        </p:txBody>
+      </p:sp>
+    </p:spTree>
+  </p:cSld>
+  <p:clrMapOvr>
+    <a:masterClrMapping/>
+  </p:clrMapOvr>
+  <p:transition/>
+</p:sld>
+</file>
+
+<file path=ppt/slides/slide28.xml><?xml version="1.0" encoding="utf-8"?>
+<p:sld xmlns:a="http://schemas.openxmlformats.org/drawingml/2006/main" xmlns:r="http://schemas.openxmlformats.org/officeDocument/2006/relationships" xmlns:p="http://schemas.openxmlformats.org/presentationml/2006/main">
+  <p:cSld name="page19">
+    <p:spTree>
+      <p:nvGrpSpPr>
+        <p:cNvPr id="1" name=""/>
+        <p:cNvGrpSpPr/>
+        <p:nvPr/>
+      </p:nvGrpSpPr>
+      <p:grpSpPr>
+        <a:xfrm>
+          <a:off x="0" y="0"/>
+          <a:ext cx="0" cy="0"/>
+          <a:chOff x="0" y="0"/>
+          <a:chExt cx="0" cy="0"/>
+        </a:xfrm>
+      </p:grpSpPr>
+      <p:sp>
+        <p:nvSpPr>
+          <p:cNvPr id="3" name="Title 2"/>
+          <p:cNvSpPr>
+            <a:spLocks noGrp="1"/>
+          </p:cNvSpPr>
+          <p:nvPr>
+            <p:ph type="title"/>
+          </p:nvPr>
+        </p:nvSpPr>
+        <p:spPr/>
+        <p:txBody>
+          <a:bodyPr/>
+          <a:lstStyle/>
+          <a:p>
+            <a:pPr>
+              <a:buNone/>
+            </a:pPr>
+            <a:r>
+              <a:rPr lang="en-US" dirty="0" smtClean="0">
+                <a:solidFill>
+                  <a:srgbClr val="FFC000"/>
+                </a:solidFill>
+              </a:rPr>
+              <a:t>Hp-</a:t>
+            </a:r>
+            <a:r>
+              <a:rPr lang="en-US" dirty="0" err="1" smtClean="0">
+                <a:solidFill>
+                  <a:srgbClr val="FFC000"/>
+                </a:solidFill>
+              </a:rPr>
+              <a:t>sl.q</a:t>
+            </a:r>
+            <a:endParaRPr lang="en-US" dirty="0">
+              <a:solidFill>
+                <a:srgbClr val="FFC000"/>
+              </a:solidFill>
+            </a:endParaRPr>
+          </a:p>
+        </p:txBody>
+      </p:sp>
+      <p:pic>
+        <p:nvPicPr>
+          <p:cNvPr id="4" name="Content Placeholder 4" descr="47575433_505250206628357_751279617901330432_n.png"/>
+          <p:cNvPicPr>
+            <a:picLocks noChangeAspect="1"/>
+          </p:cNvPicPr>
+          <p:nvPr/>
+        </p:nvPicPr>
+        <p:blipFill>
+          <a:blip r:embed="rId3" cstate="print"/>
+          <a:stretch>
+            <a:fillRect/>
+          </a:stretch>
+        </p:blipFill>
+        <p:spPr>
+          <a:xfrm>
+            <a:off x="3309703" y="1604963"/>
+            <a:ext cx="5572594" cy="3976687"/>
+          </a:xfrm>
+          <a:prstGeom prst="rect">
+            <a:avLst/>
+          </a:prstGeom>
+        </p:spPr>
+      </p:pic>
+    </p:spTree>
+  </p:cSld>
+  <p:clrMapOvr>
+    <a:masterClrMapping/>
+  </p:clrMapOvr>
+  <p:transition/>
+  <p:timing>
+    <p:tnLst>
+      <p:par>
+        <p:cTn id="1" dur="indefinite" restart="never" nodeType="tmRoot"/>
+      </p:par>
+    </p:tnLst>
+  </p:timing>
+</p:sld>
+</file>
+
+<file path=ppt/slides/slide29.xml><?xml version="1.0" encoding="utf-8"?>
+<p:sld xmlns:a="http://schemas.openxmlformats.org/drawingml/2006/main" xmlns:r="http://schemas.openxmlformats.org/officeDocument/2006/relationships" xmlns:p="http://schemas.openxmlformats.org/presentationml/2006/main">
   <p:cSld name="page20">
     <p:spTree>
       <p:nvGrpSpPr>
@@ -7603,572 +9708,6 @@
       </p:par>
     </p:tnLst>
   </p:timing>
-</p:sld>
-</file>
-
-<file path=ppt/slides/slide21.xml><?xml version="1.0" encoding="utf-8"?>
-<p:sld xmlns:a="http://schemas.openxmlformats.org/drawingml/2006/main" xmlns:r="http://schemas.openxmlformats.org/officeDocument/2006/relationships" xmlns:p="http://schemas.openxmlformats.org/presentationml/2006/main">
-  <p:cSld name="page21">
-    <p:spTree>
-      <p:nvGrpSpPr>
-        <p:cNvPr id="1" name=""/>
-        <p:cNvGrpSpPr/>
-        <p:nvPr/>
-      </p:nvGrpSpPr>
-      <p:grpSpPr>
-        <a:xfrm>
-          <a:off x="0" y="0"/>
-          <a:ext cx="0" cy="0"/>
-          <a:chOff x="0" y="0"/>
-          <a:chExt cx="0" cy="0"/>
-        </a:xfrm>
-      </p:grpSpPr>
-      <p:sp>
-        <p:nvSpPr>
-          <p:cNvPr id="3" name="Title 2"/>
-          <p:cNvSpPr>
-            <a:spLocks noGrp="1"/>
-          </p:cNvSpPr>
-          <p:nvPr>
-            <p:ph type="title"/>
-          </p:nvPr>
-        </p:nvSpPr>
-        <p:spPr/>
-        <p:txBody>
-          <a:bodyPr/>
-          <a:lstStyle/>
-          <a:p>
-            <a:pPr>
-              <a:buNone/>
-            </a:pPr>
-            <a:r>
-              <a:rPr lang="en-US" dirty="0" smtClean="0">
-                <a:solidFill>
-                  <a:srgbClr val="FFC000"/>
-                </a:solidFill>
-              </a:rPr>
-              <a:t>Hp-</a:t>
-            </a:r>
-            <a:r>
-              <a:rPr lang="en-US" dirty="0" err="1" smtClean="0">
-                <a:solidFill>
-                  <a:srgbClr val="FFC000"/>
-                </a:solidFill>
-              </a:rPr>
-              <a:t>sl.q</a:t>
-            </a:r>
-            <a:r>
-              <a:rPr lang="en-US" dirty="0" smtClean="0">
-                <a:solidFill>
-                  <a:srgbClr val="FFC000"/>
-                </a:solidFill>
-              </a:rPr>
-              <a:t> &amp; </a:t>
-            </a:r>
-            <a:r>
-              <a:rPr lang="en-US" dirty="0" err="1" smtClean="0">
-                <a:solidFill>
-                  <a:srgbClr val="FFC000"/>
-                </a:solidFill>
-              </a:rPr>
-              <a:t>Ibm-dp.q</a:t>
-            </a:r>
-            <a:endParaRPr lang="en-US" dirty="0">
-              <a:solidFill>
-                <a:srgbClr val="FFC000"/>
-              </a:solidFill>
-            </a:endParaRPr>
-          </a:p>
-        </p:txBody>
-      </p:sp>
-      <p:pic>
-        <p:nvPicPr>
-          <p:cNvPr id="5" name="Content Placeholder 4" descr="47573444_341090196683439_6820519267046260736_n.png"/>
-          <p:cNvPicPr>
-            <a:picLocks noGrp="1" noChangeAspect="1"/>
-          </p:cNvPicPr>
-          <p:nvPr>
-            <p:ph idx="1"/>
-          </p:nvPr>
-        </p:nvPicPr>
-        <p:blipFill>
-          <a:blip r:embed="rId3" cstate="print"/>
-          <a:stretch>
-            <a:fillRect/>
-          </a:stretch>
-        </p:blipFill>
-        <p:spPr>
-          <a:xfrm>
-            <a:off x="3302641" y="1604963"/>
-            <a:ext cx="5586717" cy="3976687"/>
-          </a:xfrm>
-        </p:spPr>
-      </p:pic>
-    </p:spTree>
-  </p:cSld>
-  <p:clrMapOvr>
-    <a:masterClrMapping/>
-  </p:clrMapOvr>
-  <p:transition/>
-  <p:timing>
-    <p:tnLst>
-      <p:par>
-        <p:cTn id="1" dur="indefinite" restart="never" nodeType="tmRoot"/>
-      </p:par>
-    </p:tnLst>
-  </p:timing>
-</p:sld>
-</file>
-
-<file path=ppt/slides/slide22.xml><?xml version="1.0" encoding="utf-8"?>
-<p:sld xmlns:a="http://schemas.openxmlformats.org/drawingml/2006/main" xmlns:r="http://schemas.openxmlformats.org/officeDocument/2006/relationships" xmlns:p="http://schemas.openxmlformats.org/presentationml/2006/main">
-  <p:cSld>
-    <p:spTree>
-      <p:nvGrpSpPr>
-        <p:cNvPr id="1" name=""/>
-        <p:cNvGrpSpPr/>
-        <p:nvPr/>
-      </p:nvGrpSpPr>
-      <p:grpSpPr>
-        <a:xfrm>
-          <a:off x="0" y="0"/>
-          <a:ext cx="0" cy="0"/>
-          <a:chOff x="0" y="0"/>
-          <a:chExt cx="0" cy="0"/>
-        </a:xfrm>
-      </p:grpSpPr>
-      <p:sp>
-        <p:nvSpPr>
-          <p:cNvPr id="2" name="Title 1"/>
-          <p:cNvSpPr>
-            <a:spLocks noGrp="1"/>
-          </p:cNvSpPr>
-          <p:nvPr>
-            <p:ph type="ctrTitle"/>
-          </p:nvPr>
-        </p:nvSpPr>
-        <p:spPr/>
-        <p:txBody>
-          <a:bodyPr/>
-          <a:lstStyle/>
-          <a:p>
-            <a:pPr>
-              <a:buNone/>
-            </a:pPr>
-            <a:r>
-              <a:rPr lang="en-US" dirty="0" err="1" smtClean="0">
-                <a:solidFill>
-                  <a:srgbClr val="FFC000"/>
-                </a:solidFill>
-              </a:rPr>
-              <a:t>Concluzii</a:t>
-            </a:r>
-            <a:endParaRPr lang="en-US" dirty="0">
-              <a:solidFill>
-                <a:srgbClr val="FFC000"/>
-              </a:solidFill>
-            </a:endParaRPr>
-          </a:p>
-        </p:txBody>
-      </p:sp>
-      <p:sp>
-        <p:nvSpPr>
-          <p:cNvPr id="3" name="Subtitle 2"/>
-          <p:cNvSpPr>
-            <a:spLocks noGrp="1"/>
-          </p:cNvSpPr>
-          <p:nvPr>
-            <p:ph type="subTitle" idx="1"/>
-          </p:nvPr>
-        </p:nvSpPr>
-        <p:spPr/>
-        <p:txBody>
-          <a:bodyPr/>
-          <a:lstStyle/>
-          <a:p>
-            <a:endParaRPr lang="en-US"/>
-          </a:p>
-        </p:txBody>
-      </p:sp>
-    </p:spTree>
-  </p:cSld>
-  <p:clrMapOvr>
-    <a:masterClrMapping/>
-  </p:clrMapOvr>
-  <p:transition/>
-</p:sld>
-</file>
-
-<file path=ppt/slides/slide23.xml><?xml version="1.0" encoding="utf-8"?>
-<p:sld xmlns:a="http://schemas.openxmlformats.org/drawingml/2006/main" xmlns:r="http://schemas.openxmlformats.org/officeDocument/2006/relationships" xmlns:p="http://schemas.openxmlformats.org/presentationml/2006/main">
-  <p:cSld>
-    <p:spTree>
-      <p:nvGrpSpPr>
-        <p:cNvPr id="1" name=""/>
-        <p:cNvGrpSpPr/>
-        <p:nvPr/>
-      </p:nvGrpSpPr>
-      <p:grpSpPr>
-        <a:xfrm>
-          <a:off x="0" y="0"/>
-          <a:ext cx="0" cy="0"/>
-          <a:chOff x="0" y="0"/>
-          <a:chExt cx="0" cy="0"/>
-        </a:xfrm>
-      </p:grpSpPr>
-      <p:sp>
-        <p:nvSpPr>
-          <p:cNvPr id="3" name="Content Placeholder 2"/>
-          <p:cNvSpPr>
-            <a:spLocks noGrp="1"/>
-          </p:cNvSpPr>
-          <p:nvPr>
-            <p:ph idx="1"/>
-          </p:nvPr>
-        </p:nvSpPr>
-        <p:spPr/>
-        <p:txBody>
-          <a:bodyPr/>
-          <a:lstStyle/>
-          <a:p>
-            <a:r>
-              <a:rPr lang="en-US" dirty="0" err="1" smtClean="0">
-                <a:solidFill>
-                  <a:schemeClr val="bg1">
-                    <a:lumMod val="85000"/>
-                  </a:schemeClr>
-                </a:solidFill>
-              </a:rPr>
-              <a:t>Simularile</a:t>
-            </a:r>
-            <a:r>
-              <a:rPr lang="en-US" dirty="0" smtClean="0">
-                <a:solidFill>
-                  <a:schemeClr val="bg1">
-                    <a:lumMod val="85000"/>
-                  </a:schemeClr>
-                </a:solidFill>
-              </a:rPr>
-              <a:t> au </a:t>
-            </a:r>
-            <a:r>
-              <a:rPr lang="en-US" dirty="0" err="1" smtClean="0">
-                <a:solidFill>
-                  <a:schemeClr val="bg1">
-                    <a:lumMod val="85000"/>
-                  </a:schemeClr>
-                </a:solidFill>
-              </a:rPr>
-              <a:t>fost</a:t>
-            </a:r>
-            <a:r>
-              <a:rPr lang="en-US" dirty="0" smtClean="0">
-                <a:solidFill>
-                  <a:schemeClr val="bg1">
-                    <a:lumMod val="85000"/>
-                  </a:schemeClr>
-                </a:solidFill>
-              </a:rPr>
-              <a:t> </a:t>
-            </a:r>
-            <a:r>
-              <a:rPr lang="en-US" dirty="0" err="1" smtClean="0">
-                <a:solidFill>
-                  <a:schemeClr val="bg1">
-                    <a:lumMod val="85000"/>
-                  </a:schemeClr>
-                </a:solidFill>
-              </a:rPr>
-              <a:t>facute</a:t>
-            </a:r>
-            <a:r>
-              <a:rPr lang="en-US" dirty="0" smtClean="0">
-                <a:solidFill>
-                  <a:schemeClr val="bg1">
-                    <a:lumMod val="85000"/>
-                  </a:schemeClr>
-                </a:solidFill>
-              </a:rPr>
-              <a:t> </a:t>
-            </a:r>
-            <a:r>
-              <a:rPr lang="en-US" dirty="0" err="1" smtClean="0">
-                <a:solidFill>
-                  <a:schemeClr val="bg1">
-                    <a:lumMod val="85000"/>
-                  </a:schemeClr>
-                </a:solidFill>
-              </a:rPr>
-              <a:t>pe</a:t>
-            </a:r>
-            <a:r>
-              <a:rPr lang="en-US" dirty="0" smtClean="0">
-                <a:solidFill>
-                  <a:schemeClr val="bg1">
-                    <a:lumMod val="85000"/>
-                  </a:schemeClr>
-                </a:solidFill>
-              </a:rPr>
-              <a:t> o </a:t>
-            </a:r>
-            <a:r>
-              <a:rPr lang="en-US" dirty="0" err="1" smtClean="0">
-                <a:solidFill>
-                  <a:schemeClr val="bg1">
-                    <a:lumMod val="85000"/>
-                  </a:schemeClr>
-                </a:solidFill>
-              </a:rPr>
-              <a:t>matrice</a:t>
-            </a:r>
-            <a:r>
-              <a:rPr lang="en-US" dirty="0" smtClean="0">
-                <a:solidFill>
-                  <a:schemeClr val="bg1">
-                    <a:lumMod val="85000"/>
-                  </a:schemeClr>
-                </a:solidFill>
-              </a:rPr>
-              <a:t> de </a:t>
-            </a:r>
-            <a:r>
-              <a:rPr lang="en-US" dirty="0" err="1" smtClean="0">
-                <a:solidFill>
-                  <a:schemeClr val="bg1">
-                    <a:lumMod val="85000"/>
-                  </a:schemeClr>
-                </a:solidFill>
-              </a:rPr>
-              <a:t>dimensiuni</a:t>
-            </a:r>
-            <a:r>
-              <a:rPr lang="en-US" dirty="0" smtClean="0">
-                <a:solidFill>
-                  <a:schemeClr val="bg1">
-                    <a:lumMod val="85000"/>
-                  </a:schemeClr>
-                </a:solidFill>
-              </a:rPr>
-              <a:t> 1000x1000.</a:t>
-            </a:r>
-          </a:p>
-          <a:p>
-            <a:r>
-              <a:rPr lang="en-US" dirty="0" err="1" smtClean="0">
-                <a:solidFill>
-                  <a:schemeClr val="bg1">
-                    <a:lumMod val="85000"/>
-                  </a:schemeClr>
-                </a:solidFill>
-              </a:rPr>
-              <a:t>Mediul</a:t>
-            </a:r>
-            <a:r>
-              <a:rPr lang="en-US" dirty="0" smtClean="0">
-                <a:solidFill>
-                  <a:schemeClr val="bg1">
-                    <a:lumMod val="85000"/>
-                  </a:schemeClr>
-                </a:solidFill>
-              </a:rPr>
-              <a:t> de </a:t>
-            </a:r>
-            <a:r>
-              <a:rPr lang="en-US" dirty="0" err="1" smtClean="0">
-                <a:solidFill>
-                  <a:schemeClr val="bg1">
-                    <a:lumMod val="85000"/>
-                  </a:schemeClr>
-                </a:solidFill>
-              </a:rPr>
-              <a:t>testare</a:t>
-            </a:r>
-            <a:r>
-              <a:rPr lang="en-US" dirty="0" smtClean="0">
-                <a:solidFill>
-                  <a:schemeClr val="bg1">
-                    <a:lumMod val="85000"/>
-                  </a:schemeClr>
-                </a:solidFill>
-              </a:rPr>
-              <a:t> a </a:t>
-            </a:r>
-            <a:r>
-              <a:rPr lang="en-US" dirty="0" err="1" smtClean="0">
-                <a:solidFill>
-                  <a:schemeClr val="bg1">
-                    <a:lumMod val="85000"/>
-                  </a:schemeClr>
-                </a:solidFill>
-              </a:rPr>
-              <a:t>fost</a:t>
-            </a:r>
-            <a:r>
-              <a:rPr lang="en-US" dirty="0" smtClean="0">
-                <a:solidFill>
-                  <a:schemeClr val="bg1">
-                    <a:lumMod val="85000"/>
-                  </a:schemeClr>
-                </a:solidFill>
-              </a:rPr>
-              <a:t> </a:t>
-            </a:r>
-            <a:r>
-              <a:rPr lang="en-US" dirty="0" err="1" smtClean="0">
-                <a:solidFill>
-                  <a:schemeClr val="bg1">
-                    <a:lumMod val="85000"/>
-                  </a:schemeClr>
-                </a:solidFill>
-              </a:rPr>
-              <a:t>reprezentat</a:t>
-            </a:r>
-            <a:r>
-              <a:rPr lang="en-US" dirty="0" smtClean="0">
-                <a:solidFill>
-                  <a:schemeClr val="bg1">
-                    <a:lumMod val="85000"/>
-                  </a:schemeClr>
-                </a:solidFill>
-              </a:rPr>
-              <a:t> de </a:t>
-            </a:r>
-            <a:r>
-              <a:rPr lang="en-US" dirty="0" err="1" smtClean="0">
-                <a:solidFill>
-                  <a:schemeClr val="bg1">
-                    <a:lumMod val="85000"/>
-                  </a:schemeClr>
-                </a:solidFill>
-              </a:rPr>
-              <a:t>cele</a:t>
-            </a:r>
-            <a:r>
-              <a:rPr lang="en-US" dirty="0" smtClean="0">
-                <a:solidFill>
-                  <a:schemeClr val="bg1">
-                    <a:lumMod val="85000"/>
-                  </a:schemeClr>
-                </a:solidFill>
-              </a:rPr>
-              <a:t> </a:t>
-            </a:r>
-            <a:r>
-              <a:rPr lang="en-US" dirty="0" err="1" smtClean="0">
-                <a:solidFill>
-                  <a:schemeClr val="bg1">
-                    <a:lumMod val="85000"/>
-                  </a:schemeClr>
-                </a:solidFill>
-              </a:rPr>
-              <a:t>doua</a:t>
-            </a:r>
-            <a:r>
-              <a:rPr lang="en-US" dirty="0" smtClean="0">
-                <a:solidFill>
-                  <a:schemeClr val="bg1">
-                    <a:lumMod val="85000"/>
-                  </a:schemeClr>
-                </a:solidFill>
-              </a:rPr>
-              <a:t> </a:t>
-            </a:r>
-            <a:r>
-              <a:rPr lang="en-US" dirty="0" err="1" smtClean="0">
-                <a:solidFill>
-                  <a:schemeClr val="bg1">
-                    <a:lumMod val="85000"/>
-                  </a:schemeClr>
-                </a:solidFill>
-              </a:rPr>
-              <a:t>cozi</a:t>
-            </a:r>
-            <a:r>
-              <a:rPr lang="en-US" dirty="0" smtClean="0">
-                <a:solidFill>
-                  <a:schemeClr val="bg1">
-                    <a:lumMod val="85000"/>
-                  </a:schemeClr>
-                </a:solidFill>
-              </a:rPr>
-              <a:t>: hp-</a:t>
-            </a:r>
-            <a:r>
-              <a:rPr lang="en-US" dirty="0" err="1" smtClean="0">
-                <a:solidFill>
-                  <a:schemeClr val="bg1">
-                    <a:lumMod val="85000"/>
-                  </a:schemeClr>
-                </a:solidFill>
-              </a:rPr>
-              <a:t>sl.q</a:t>
-            </a:r>
-            <a:r>
-              <a:rPr lang="en-US" dirty="0" smtClean="0">
-                <a:solidFill>
-                  <a:schemeClr val="bg1">
-                    <a:lumMod val="85000"/>
-                  </a:schemeClr>
-                </a:solidFill>
-              </a:rPr>
-              <a:t> </a:t>
-            </a:r>
-            <a:r>
-              <a:rPr lang="en-US" dirty="0" err="1" smtClean="0">
-                <a:solidFill>
-                  <a:schemeClr val="bg1">
-                    <a:lumMod val="85000"/>
-                  </a:schemeClr>
-                </a:solidFill>
-              </a:rPr>
-              <a:t>si</a:t>
-            </a:r>
-            <a:r>
-              <a:rPr lang="en-US" dirty="0" smtClean="0">
-                <a:solidFill>
-                  <a:schemeClr val="bg1">
-                    <a:lumMod val="85000"/>
-                  </a:schemeClr>
-                </a:solidFill>
-              </a:rPr>
-              <a:t> </a:t>
-            </a:r>
-            <a:r>
-              <a:rPr lang="en-US" dirty="0" err="1" smtClean="0">
-                <a:solidFill>
-                  <a:schemeClr val="bg1">
-                    <a:lumMod val="85000"/>
-                  </a:schemeClr>
-                </a:solidFill>
-              </a:rPr>
-              <a:t>ibm-dp.q</a:t>
-            </a:r>
-            <a:r>
-              <a:rPr lang="en-US" smtClean="0">
-                <a:solidFill>
-                  <a:schemeClr val="bg1">
-                    <a:lumMod val="85000"/>
-                  </a:schemeClr>
-                </a:solidFill>
-              </a:rPr>
-              <a:t>.</a:t>
-            </a:r>
-            <a:endParaRPr lang="en-US" dirty="0" smtClean="0">
-              <a:solidFill>
-                <a:schemeClr val="bg1">
-                  <a:lumMod val="85000"/>
-                </a:schemeClr>
-              </a:solidFill>
-            </a:endParaRPr>
-          </a:p>
-        </p:txBody>
-      </p:sp>
-    </p:spTree>
-  </p:cSld>
-  <p:clrMapOvr>
-    <a:masterClrMapping/>
-  </p:clrMapOvr>
-  <p:transition/>
 </p:sld>
 </file>
 
@@ -8340,6 +9879,1820 @@
             </p:seq>
           </p:childTnLst>
         </p:cTn>
+      </p:par>
+    </p:tnLst>
+  </p:timing>
+</p:sld>
+</file>
+
+<file path=ppt/slides/slide30.xml><?xml version="1.0" encoding="utf-8"?>
+<p:sld xmlns:a="http://schemas.openxmlformats.org/drawingml/2006/main" xmlns:r="http://schemas.openxmlformats.org/officeDocument/2006/relationships" xmlns:p="http://schemas.openxmlformats.org/presentationml/2006/main">
+  <p:cSld name="page21">
+    <p:spTree>
+      <p:nvGrpSpPr>
+        <p:cNvPr id="1" name=""/>
+        <p:cNvGrpSpPr/>
+        <p:nvPr/>
+      </p:nvGrpSpPr>
+      <p:grpSpPr>
+        <a:xfrm>
+          <a:off x="0" y="0"/>
+          <a:ext cx="0" cy="0"/>
+          <a:chOff x="0" y="0"/>
+          <a:chExt cx="0" cy="0"/>
+        </a:xfrm>
+      </p:grpSpPr>
+      <p:sp>
+        <p:nvSpPr>
+          <p:cNvPr id="3" name="Title 2"/>
+          <p:cNvSpPr>
+            <a:spLocks noGrp="1"/>
+          </p:cNvSpPr>
+          <p:nvPr>
+            <p:ph type="title"/>
+          </p:nvPr>
+        </p:nvSpPr>
+        <p:spPr/>
+        <p:txBody>
+          <a:bodyPr/>
+          <a:lstStyle/>
+          <a:p>
+            <a:pPr>
+              <a:buNone/>
+            </a:pPr>
+            <a:r>
+              <a:rPr lang="en-US" dirty="0" smtClean="0">
+                <a:solidFill>
+                  <a:srgbClr val="FFC000"/>
+                </a:solidFill>
+              </a:rPr>
+              <a:t>Hp-</a:t>
+            </a:r>
+            <a:r>
+              <a:rPr lang="en-US" dirty="0" err="1" smtClean="0">
+                <a:solidFill>
+                  <a:srgbClr val="FFC000"/>
+                </a:solidFill>
+              </a:rPr>
+              <a:t>sl.q</a:t>
+            </a:r>
+            <a:r>
+              <a:rPr lang="en-US" dirty="0" smtClean="0">
+                <a:solidFill>
+                  <a:srgbClr val="FFC000"/>
+                </a:solidFill>
+              </a:rPr>
+              <a:t> &amp; </a:t>
+            </a:r>
+            <a:r>
+              <a:rPr lang="en-US" dirty="0" err="1" smtClean="0">
+                <a:solidFill>
+                  <a:srgbClr val="FFC000"/>
+                </a:solidFill>
+              </a:rPr>
+              <a:t>Ibm-dp.q</a:t>
+            </a:r>
+            <a:endParaRPr lang="en-US" dirty="0">
+              <a:solidFill>
+                <a:srgbClr val="FFC000"/>
+              </a:solidFill>
+            </a:endParaRPr>
+          </a:p>
+        </p:txBody>
+      </p:sp>
+      <p:pic>
+        <p:nvPicPr>
+          <p:cNvPr id="5" name="Content Placeholder 4" descr="47573444_341090196683439_6820519267046260736_n.png"/>
+          <p:cNvPicPr>
+            <a:picLocks noGrp="1" noChangeAspect="1"/>
+          </p:cNvPicPr>
+          <p:nvPr>
+            <p:ph idx="1"/>
+          </p:nvPr>
+        </p:nvPicPr>
+        <p:blipFill>
+          <a:blip r:embed="rId3" cstate="print"/>
+          <a:stretch>
+            <a:fillRect/>
+          </a:stretch>
+        </p:blipFill>
+        <p:spPr>
+          <a:xfrm>
+            <a:off x="3302641" y="1604963"/>
+            <a:ext cx="5586717" cy="3976687"/>
+          </a:xfrm>
+        </p:spPr>
+      </p:pic>
+    </p:spTree>
+  </p:cSld>
+  <p:clrMapOvr>
+    <a:masterClrMapping/>
+  </p:clrMapOvr>
+  <p:transition/>
+  <p:timing>
+    <p:tnLst>
+      <p:par>
+        <p:cTn id="1" dur="indefinite" restart="never" nodeType="tmRoot"/>
+      </p:par>
+    </p:tnLst>
+  </p:timing>
+</p:sld>
+</file>
+
+<file path=ppt/slides/slide31.xml><?xml version="1.0" encoding="utf-8"?>
+<p:sld xmlns:a="http://schemas.openxmlformats.org/drawingml/2006/main" xmlns:r="http://schemas.openxmlformats.org/officeDocument/2006/relationships" xmlns:p="http://schemas.openxmlformats.org/presentationml/2006/main">
+  <p:cSld>
+    <p:spTree>
+      <p:nvGrpSpPr>
+        <p:cNvPr id="1" name=""/>
+        <p:cNvGrpSpPr/>
+        <p:nvPr/>
+      </p:nvGrpSpPr>
+      <p:grpSpPr>
+        <a:xfrm>
+          <a:off x="0" y="0"/>
+          <a:ext cx="0" cy="0"/>
+          <a:chOff x="0" y="0"/>
+          <a:chExt cx="0" cy="0"/>
+        </a:xfrm>
+      </p:grpSpPr>
+      <p:sp>
+        <p:nvSpPr>
+          <p:cNvPr id="2" name="Title 1"/>
+          <p:cNvSpPr>
+            <a:spLocks noGrp="1"/>
+          </p:cNvSpPr>
+          <p:nvPr>
+            <p:ph type="title"/>
+          </p:nvPr>
+        </p:nvSpPr>
+        <p:spPr>
+          <a:xfrm>
+            <a:off x="609600" y="2362200"/>
+            <a:ext cx="10972440" cy="1144800"/>
+          </a:xfrm>
+        </p:spPr>
+        <p:txBody>
+          <a:bodyPr/>
+          <a:lstStyle/>
+          <a:p>
+            <a:pPr>
+              <a:buNone/>
+            </a:pPr>
+            <a:r>
+              <a:rPr lang="en-US" b="1" dirty="0" smtClean="0">
+                <a:solidFill>
+                  <a:schemeClr val="bg1"/>
+                </a:solidFill>
+              </a:rPr>
+              <a:t>3000x3000</a:t>
+            </a:r>
+            <a:endParaRPr lang="en-US" b="1" dirty="0">
+              <a:solidFill>
+                <a:schemeClr val="bg1"/>
+              </a:solidFill>
+            </a:endParaRPr>
+          </a:p>
+        </p:txBody>
+      </p:sp>
+    </p:spTree>
+  </p:cSld>
+  <p:clrMapOvr>
+    <a:masterClrMapping/>
+  </p:clrMapOvr>
+  <p:transition/>
+</p:sld>
+</file>
+
+<file path=ppt/slides/slide32.xml><?xml version="1.0" encoding="utf-8"?>
+<p:sld xmlns:a="http://schemas.openxmlformats.org/drawingml/2006/main" xmlns:r="http://schemas.openxmlformats.org/officeDocument/2006/relationships" xmlns:p="http://schemas.openxmlformats.org/presentationml/2006/main">
+  <p:cSld>
+    <p:spTree>
+      <p:nvGrpSpPr>
+        <p:cNvPr id="1" name=""/>
+        <p:cNvGrpSpPr/>
+        <p:nvPr/>
+      </p:nvGrpSpPr>
+      <p:grpSpPr>
+        <a:xfrm>
+          <a:off x="0" y="0"/>
+          <a:ext cx="0" cy="0"/>
+          <a:chOff x="0" y="0"/>
+          <a:chExt cx="0" cy="0"/>
+        </a:xfrm>
+      </p:grpSpPr>
+      <p:sp>
+        <p:nvSpPr>
+          <p:cNvPr id="3" name="Title 2"/>
+          <p:cNvSpPr>
+            <a:spLocks noGrp="1"/>
+          </p:cNvSpPr>
+          <p:nvPr>
+            <p:ph type="title"/>
+          </p:nvPr>
+        </p:nvSpPr>
+        <p:spPr/>
+        <p:txBody>
+          <a:bodyPr/>
+          <a:lstStyle/>
+          <a:p>
+            <a:pPr>
+              <a:buNone/>
+            </a:pPr>
+            <a:r>
+              <a:rPr lang="en-US" dirty="0" smtClean="0">
+                <a:solidFill>
+                  <a:srgbClr val="FFC000"/>
+                </a:solidFill>
+              </a:rPr>
+              <a:t>Hp-</a:t>
+            </a:r>
+            <a:r>
+              <a:rPr lang="en-US" dirty="0" err="1" smtClean="0">
+                <a:solidFill>
+                  <a:srgbClr val="FFC000"/>
+                </a:solidFill>
+              </a:rPr>
+              <a:t>sl.q</a:t>
+            </a:r>
+            <a:endParaRPr lang="en-US" dirty="0">
+              <a:solidFill>
+                <a:srgbClr val="FFC000"/>
+              </a:solidFill>
+            </a:endParaRPr>
+          </a:p>
+        </p:txBody>
+      </p:sp>
+      <p:pic>
+        <p:nvPicPr>
+          <p:cNvPr id="10242" name="Picture 2"/>
+          <p:cNvPicPr>
+            <a:picLocks noChangeAspect="1" noChangeArrowheads="1"/>
+          </p:cNvPicPr>
+          <p:nvPr/>
+        </p:nvPicPr>
+        <p:blipFill>
+          <a:blip r:embed="rId3" cstate="print"/>
+          <a:srcRect/>
+          <a:stretch>
+            <a:fillRect/>
+          </a:stretch>
+        </p:blipFill>
+        <p:spPr bwMode="auto">
+          <a:xfrm>
+            <a:off x="2895600" y="1752600"/>
+            <a:ext cx="6057900" cy="4314825"/>
+          </a:xfrm>
+          <a:prstGeom prst="rect">
+            <a:avLst/>
+          </a:prstGeom>
+          <a:noFill/>
+          <a:ln w="9525">
+            <a:noFill/>
+            <a:miter lim="800000"/>
+            <a:headEnd/>
+            <a:tailEnd/>
+          </a:ln>
+          <a:effectLst/>
+        </p:spPr>
+      </p:pic>
+    </p:spTree>
+  </p:cSld>
+  <p:clrMapOvr>
+    <a:masterClrMapping/>
+  </p:clrMapOvr>
+  <p:transition/>
+  <p:timing>
+    <p:tnLst>
+      <p:par>
+        <p:cTn id="1" dur="indefinite" restart="never" nodeType="tmRoot"/>
+      </p:par>
+    </p:tnLst>
+  </p:timing>
+</p:sld>
+</file>
+
+<file path=ppt/slides/slide33.xml><?xml version="1.0" encoding="utf-8"?>
+<p:sld xmlns:a="http://schemas.openxmlformats.org/drawingml/2006/main" xmlns:r="http://schemas.openxmlformats.org/officeDocument/2006/relationships" xmlns:p="http://schemas.openxmlformats.org/presentationml/2006/main">
+  <p:cSld>
+    <p:spTree>
+      <p:nvGrpSpPr>
+        <p:cNvPr id="1" name=""/>
+        <p:cNvGrpSpPr/>
+        <p:nvPr/>
+      </p:nvGrpSpPr>
+      <p:grpSpPr>
+        <a:xfrm>
+          <a:off x="0" y="0"/>
+          <a:ext cx="0" cy="0"/>
+          <a:chOff x="0" y="0"/>
+          <a:chExt cx="0" cy="0"/>
+        </a:xfrm>
+      </p:grpSpPr>
+      <p:sp>
+        <p:nvSpPr>
+          <p:cNvPr id="3" name="Title 2"/>
+          <p:cNvSpPr>
+            <a:spLocks noGrp="1"/>
+          </p:cNvSpPr>
+          <p:nvPr>
+            <p:ph type="title"/>
+          </p:nvPr>
+        </p:nvSpPr>
+        <p:spPr/>
+        <p:txBody>
+          <a:bodyPr/>
+          <a:lstStyle/>
+          <a:p>
+            <a:pPr>
+              <a:buNone/>
+            </a:pPr>
+            <a:r>
+              <a:rPr lang="en-US" dirty="0" err="1" smtClean="0">
+                <a:solidFill>
+                  <a:srgbClr val="FFC000"/>
+                </a:solidFill>
+              </a:rPr>
+              <a:t>Ibm-dp.q</a:t>
+            </a:r>
+            <a:endParaRPr lang="en-US" dirty="0">
+              <a:solidFill>
+                <a:srgbClr val="FFC000"/>
+              </a:solidFill>
+            </a:endParaRPr>
+          </a:p>
+        </p:txBody>
+      </p:sp>
+      <p:pic>
+        <p:nvPicPr>
+          <p:cNvPr id="11266" name="Picture 2"/>
+          <p:cNvPicPr>
+            <a:picLocks noGrp="1" noChangeAspect="1" noChangeArrowheads="1"/>
+          </p:cNvPicPr>
+          <p:nvPr>
+            <p:ph idx="1"/>
+          </p:nvPr>
+        </p:nvPicPr>
+        <p:blipFill>
+          <a:blip r:embed="rId3" cstate="print"/>
+          <a:srcRect/>
+          <a:stretch>
+            <a:fillRect/>
+          </a:stretch>
+        </p:blipFill>
+        <p:spPr bwMode="auto">
+          <a:xfrm>
+            <a:off x="3254232" y="1604963"/>
+            <a:ext cx="5683535" cy="3976687"/>
+          </a:xfrm>
+          <a:prstGeom prst="rect">
+            <a:avLst/>
+          </a:prstGeom>
+          <a:noFill/>
+          <a:ln w="9525">
+            <a:noFill/>
+            <a:miter lim="800000"/>
+            <a:headEnd/>
+            <a:tailEnd/>
+          </a:ln>
+          <a:effectLst/>
+        </p:spPr>
+      </p:pic>
+    </p:spTree>
+  </p:cSld>
+  <p:clrMapOvr>
+    <a:masterClrMapping/>
+  </p:clrMapOvr>
+  <p:transition/>
+  <p:timing>
+    <p:tnLst>
+      <p:par>
+        <p:cTn id="1" dur="indefinite" restart="never" nodeType="tmRoot"/>
+      </p:par>
+    </p:tnLst>
+  </p:timing>
+</p:sld>
+</file>
+
+<file path=ppt/slides/slide34.xml><?xml version="1.0" encoding="utf-8"?>
+<p:sld xmlns:a="http://schemas.openxmlformats.org/drawingml/2006/main" xmlns:r="http://schemas.openxmlformats.org/officeDocument/2006/relationships" xmlns:p="http://schemas.openxmlformats.org/presentationml/2006/main">
+  <p:cSld>
+    <p:spTree>
+      <p:nvGrpSpPr>
+        <p:cNvPr id="1" name=""/>
+        <p:cNvGrpSpPr/>
+        <p:nvPr/>
+      </p:nvGrpSpPr>
+      <p:grpSpPr>
+        <a:xfrm>
+          <a:off x="0" y="0"/>
+          <a:ext cx="0" cy="0"/>
+          <a:chOff x="0" y="0"/>
+          <a:chExt cx="0" cy="0"/>
+        </a:xfrm>
+      </p:grpSpPr>
+      <p:sp>
+        <p:nvSpPr>
+          <p:cNvPr id="3" name="Title 2"/>
+          <p:cNvSpPr>
+            <a:spLocks noGrp="1"/>
+          </p:cNvSpPr>
+          <p:nvPr>
+            <p:ph type="title"/>
+          </p:nvPr>
+        </p:nvSpPr>
+        <p:spPr/>
+        <p:txBody>
+          <a:bodyPr/>
+          <a:lstStyle/>
+          <a:p>
+            <a:pPr>
+              <a:buNone/>
+            </a:pPr>
+            <a:r>
+              <a:rPr lang="en-US" dirty="0" smtClean="0">
+                <a:solidFill>
+                  <a:srgbClr val="FFC000"/>
+                </a:solidFill>
+              </a:rPr>
+              <a:t>Hp-</a:t>
+            </a:r>
+            <a:r>
+              <a:rPr lang="en-US" dirty="0" err="1" smtClean="0">
+                <a:solidFill>
+                  <a:srgbClr val="FFC000"/>
+                </a:solidFill>
+              </a:rPr>
+              <a:t>sl.q</a:t>
+            </a:r>
+            <a:r>
+              <a:rPr lang="en-US" dirty="0" smtClean="0">
+                <a:solidFill>
+                  <a:srgbClr val="FFC000"/>
+                </a:solidFill>
+              </a:rPr>
+              <a:t> &amp; </a:t>
+            </a:r>
+            <a:r>
+              <a:rPr lang="en-US" dirty="0" err="1" smtClean="0">
+                <a:solidFill>
+                  <a:srgbClr val="FFC000"/>
+                </a:solidFill>
+              </a:rPr>
+              <a:t>Ibm-dp.q</a:t>
+            </a:r>
+            <a:endParaRPr lang="en-US" dirty="0">
+              <a:solidFill>
+                <a:srgbClr val="FFC000"/>
+              </a:solidFill>
+            </a:endParaRPr>
+          </a:p>
+        </p:txBody>
+      </p:sp>
+      <p:pic>
+        <p:nvPicPr>
+          <p:cNvPr id="12290" name="Picture 2"/>
+          <p:cNvPicPr>
+            <a:picLocks noGrp="1" noChangeAspect="1" noChangeArrowheads="1"/>
+          </p:cNvPicPr>
+          <p:nvPr>
+            <p:ph idx="1"/>
+          </p:nvPr>
+        </p:nvPicPr>
+        <p:blipFill>
+          <a:blip r:embed="rId3" cstate="print"/>
+          <a:srcRect/>
+          <a:stretch>
+            <a:fillRect/>
+          </a:stretch>
+        </p:blipFill>
+        <p:spPr bwMode="auto">
+          <a:xfrm>
+            <a:off x="3200400" y="1828800"/>
+            <a:ext cx="5634375" cy="3976687"/>
+          </a:xfrm>
+          <a:prstGeom prst="rect">
+            <a:avLst/>
+          </a:prstGeom>
+          <a:noFill/>
+          <a:ln w="9525">
+            <a:noFill/>
+            <a:miter lim="800000"/>
+            <a:headEnd/>
+            <a:tailEnd/>
+          </a:ln>
+          <a:effectLst/>
+        </p:spPr>
+      </p:pic>
+    </p:spTree>
+  </p:cSld>
+  <p:clrMapOvr>
+    <a:masterClrMapping/>
+  </p:clrMapOvr>
+  <p:transition/>
+  <p:timing>
+    <p:tnLst>
+      <p:par>
+        <p:cTn id="1" dur="indefinite" restart="never" nodeType="tmRoot"/>
+      </p:par>
+    </p:tnLst>
+  </p:timing>
+</p:sld>
+</file>
+
+<file path=ppt/slides/slide35.xml><?xml version="1.0" encoding="utf-8"?>
+<p:sld xmlns:a="http://schemas.openxmlformats.org/drawingml/2006/main" xmlns:r="http://schemas.openxmlformats.org/officeDocument/2006/relationships" xmlns:p="http://schemas.openxmlformats.org/presentationml/2006/main">
+  <p:cSld>
+    <p:spTree>
+      <p:nvGrpSpPr>
+        <p:cNvPr id="1" name=""/>
+        <p:cNvGrpSpPr/>
+        <p:nvPr/>
+      </p:nvGrpSpPr>
+      <p:grpSpPr>
+        <a:xfrm>
+          <a:off x="0" y="0"/>
+          <a:ext cx="0" cy="0"/>
+          <a:chOff x="0" y="0"/>
+          <a:chExt cx="0" cy="0"/>
+        </a:xfrm>
+      </p:grpSpPr>
+      <p:sp>
+        <p:nvSpPr>
+          <p:cNvPr id="2" name="Title 1"/>
+          <p:cNvSpPr>
+            <a:spLocks noGrp="1"/>
+          </p:cNvSpPr>
+          <p:nvPr>
+            <p:ph type="ctrTitle"/>
+          </p:nvPr>
+        </p:nvSpPr>
+        <p:spPr/>
+        <p:txBody>
+          <a:bodyPr/>
+          <a:lstStyle/>
+          <a:p>
+            <a:pPr>
+              <a:buNone/>
+            </a:pPr>
+            <a:r>
+              <a:rPr lang="en-US" dirty="0" err="1" smtClean="0">
+                <a:solidFill>
+                  <a:srgbClr val="FFC000"/>
+                </a:solidFill>
+              </a:rPr>
+              <a:t>Concluzii</a:t>
+            </a:r>
+            <a:endParaRPr lang="en-US" dirty="0">
+              <a:solidFill>
+                <a:srgbClr val="FFC000"/>
+              </a:solidFill>
+            </a:endParaRPr>
+          </a:p>
+        </p:txBody>
+      </p:sp>
+    </p:spTree>
+  </p:cSld>
+  <p:clrMapOvr>
+    <a:masterClrMapping/>
+  </p:clrMapOvr>
+  <p:transition/>
+  <p:timing>
+    <p:tnLst>
+      <p:par>
+        <p:cTn id="1" dur="indefinite" restart="never" nodeType="tmRoot"/>
+      </p:par>
+    </p:tnLst>
+  </p:timing>
+</p:sld>
+</file>
+
+<file path=ppt/slides/slide36.xml><?xml version="1.0" encoding="utf-8"?>
+<p:sld xmlns:a="http://schemas.openxmlformats.org/drawingml/2006/main" xmlns:r="http://schemas.openxmlformats.org/officeDocument/2006/relationships" xmlns:p="http://schemas.openxmlformats.org/presentationml/2006/main">
+  <p:cSld>
+    <p:spTree>
+      <p:nvGrpSpPr>
+        <p:cNvPr id="1" name=""/>
+        <p:cNvGrpSpPr/>
+        <p:nvPr/>
+      </p:nvGrpSpPr>
+      <p:grpSpPr>
+        <a:xfrm>
+          <a:off x="0" y="0"/>
+          <a:ext cx="0" cy="0"/>
+          <a:chOff x="0" y="0"/>
+          <a:chExt cx="0" cy="0"/>
+        </a:xfrm>
+      </p:grpSpPr>
+      <p:sp>
+        <p:nvSpPr>
+          <p:cNvPr id="3" name="Content Placeholder 2"/>
+          <p:cNvSpPr>
+            <a:spLocks noGrp="1"/>
+          </p:cNvSpPr>
+          <p:nvPr>
+            <p:ph idx="1"/>
+          </p:nvPr>
+        </p:nvSpPr>
+        <p:spPr>
+          <a:xfrm>
+            <a:off x="685800" y="762000"/>
+            <a:ext cx="10972080" cy="5791200"/>
+          </a:xfrm>
+        </p:spPr>
+        <p:txBody>
+          <a:bodyPr/>
+          <a:lstStyle/>
+          <a:p>
+            <a:r>
+              <a:rPr lang="en-US" dirty="0" err="1" smtClean="0">
+                <a:solidFill>
+                  <a:schemeClr val="bg1">
+                    <a:lumMod val="85000"/>
+                  </a:schemeClr>
+                </a:solidFill>
+              </a:rPr>
+              <a:t>Simularile</a:t>
+            </a:r>
+            <a:r>
+              <a:rPr lang="en-US" dirty="0" smtClean="0">
+                <a:solidFill>
+                  <a:schemeClr val="bg1">
+                    <a:lumMod val="85000"/>
+                  </a:schemeClr>
+                </a:solidFill>
+              </a:rPr>
+              <a:t> au </a:t>
+            </a:r>
+            <a:r>
+              <a:rPr lang="en-US" dirty="0" err="1" smtClean="0">
+                <a:solidFill>
+                  <a:schemeClr val="bg1">
+                    <a:lumMod val="85000"/>
+                  </a:schemeClr>
+                </a:solidFill>
+              </a:rPr>
+              <a:t>fost</a:t>
+            </a:r>
+            <a:r>
+              <a:rPr lang="en-US" dirty="0" smtClean="0">
+                <a:solidFill>
+                  <a:schemeClr val="bg1">
+                    <a:lumMod val="85000"/>
+                  </a:schemeClr>
+                </a:solidFill>
+              </a:rPr>
+              <a:t> </a:t>
+            </a:r>
+            <a:r>
+              <a:rPr lang="en-US" dirty="0" err="1" smtClean="0">
+                <a:solidFill>
+                  <a:schemeClr val="bg1">
+                    <a:lumMod val="85000"/>
+                  </a:schemeClr>
+                </a:solidFill>
+              </a:rPr>
+              <a:t>facute</a:t>
+            </a:r>
+            <a:r>
+              <a:rPr lang="en-US" dirty="0" smtClean="0">
+                <a:solidFill>
+                  <a:schemeClr val="bg1">
+                    <a:lumMod val="85000"/>
+                  </a:schemeClr>
+                </a:solidFill>
+              </a:rPr>
+              <a:t> </a:t>
+            </a:r>
+            <a:r>
+              <a:rPr lang="en-US" dirty="0" err="1" smtClean="0">
+                <a:solidFill>
+                  <a:schemeClr val="bg1">
+                    <a:lumMod val="85000"/>
+                  </a:schemeClr>
+                </a:solidFill>
+              </a:rPr>
+              <a:t>pe</a:t>
+            </a:r>
+            <a:r>
+              <a:rPr lang="en-US" dirty="0" smtClean="0">
+                <a:solidFill>
+                  <a:schemeClr val="bg1">
+                    <a:lumMod val="85000"/>
+                  </a:schemeClr>
+                </a:solidFill>
+              </a:rPr>
+              <a:t> o </a:t>
+            </a:r>
+            <a:r>
+              <a:rPr lang="en-US" dirty="0" err="1" smtClean="0">
+                <a:solidFill>
+                  <a:schemeClr val="bg1">
+                    <a:lumMod val="85000"/>
+                  </a:schemeClr>
+                </a:solidFill>
+              </a:rPr>
+              <a:t>matrice</a:t>
+            </a:r>
+            <a:r>
+              <a:rPr lang="en-US" dirty="0" smtClean="0">
+                <a:solidFill>
+                  <a:schemeClr val="bg1">
+                    <a:lumMod val="85000"/>
+                  </a:schemeClr>
+                </a:solidFill>
+              </a:rPr>
+              <a:t> de </a:t>
+            </a:r>
+            <a:r>
+              <a:rPr lang="en-US" dirty="0" err="1" smtClean="0">
+                <a:solidFill>
+                  <a:schemeClr val="bg1">
+                    <a:lumMod val="85000"/>
+                  </a:schemeClr>
+                </a:solidFill>
+              </a:rPr>
+              <a:t>dimensiuni</a:t>
+            </a:r>
+            <a:r>
+              <a:rPr lang="en-US" dirty="0" smtClean="0">
+                <a:solidFill>
+                  <a:schemeClr val="bg1">
+                    <a:lumMod val="85000"/>
+                  </a:schemeClr>
+                </a:solidFill>
+              </a:rPr>
+              <a:t> </a:t>
+            </a:r>
+            <a:r>
+              <a:rPr lang="en-US" dirty="0" smtClean="0">
+                <a:solidFill>
+                  <a:schemeClr val="bg1">
+                    <a:lumMod val="85000"/>
+                  </a:schemeClr>
+                </a:solidFill>
+              </a:rPr>
+              <a:t>1000x1000, </a:t>
+            </a:r>
+            <a:r>
+              <a:rPr lang="en-US" dirty="0" err="1" smtClean="0">
+                <a:solidFill>
+                  <a:schemeClr val="bg1">
+                    <a:lumMod val="85000"/>
+                  </a:schemeClr>
+                </a:solidFill>
+              </a:rPr>
+              <a:t>respectiv</a:t>
+            </a:r>
+            <a:r>
+              <a:rPr lang="en-US" dirty="0" smtClean="0">
+                <a:solidFill>
+                  <a:schemeClr val="bg1">
+                    <a:lumMod val="85000"/>
+                  </a:schemeClr>
+                </a:solidFill>
+              </a:rPr>
+              <a:t> 3000x3000.</a:t>
+            </a:r>
+            <a:endParaRPr lang="en-US" dirty="0" smtClean="0">
+              <a:solidFill>
+                <a:schemeClr val="bg1">
+                  <a:lumMod val="85000"/>
+                </a:schemeClr>
+              </a:solidFill>
+            </a:endParaRPr>
+          </a:p>
+          <a:p>
+            <a:r>
+              <a:rPr lang="en-US" dirty="0" err="1" smtClean="0">
+                <a:solidFill>
+                  <a:schemeClr val="bg1">
+                    <a:lumMod val="85000"/>
+                  </a:schemeClr>
+                </a:solidFill>
+              </a:rPr>
+              <a:t>Mediul</a:t>
+            </a:r>
+            <a:r>
+              <a:rPr lang="en-US" dirty="0" smtClean="0">
+                <a:solidFill>
+                  <a:schemeClr val="bg1">
+                    <a:lumMod val="85000"/>
+                  </a:schemeClr>
+                </a:solidFill>
+              </a:rPr>
+              <a:t> de </a:t>
+            </a:r>
+            <a:r>
+              <a:rPr lang="en-US" dirty="0" err="1" smtClean="0">
+                <a:solidFill>
+                  <a:schemeClr val="bg1">
+                    <a:lumMod val="85000"/>
+                  </a:schemeClr>
+                </a:solidFill>
+              </a:rPr>
+              <a:t>testare</a:t>
+            </a:r>
+            <a:r>
+              <a:rPr lang="en-US" dirty="0" smtClean="0">
+                <a:solidFill>
+                  <a:schemeClr val="bg1">
+                    <a:lumMod val="85000"/>
+                  </a:schemeClr>
+                </a:solidFill>
+              </a:rPr>
+              <a:t> a </a:t>
+            </a:r>
+            <a:r>
+              <a:rPr lang="en-US" dirty="0" err="1" smtClean="0">
+                <a:solidFill>
+                  <a:schemeClr val="bg1">
+                    <a:lumMod val="85000"/>
+                  </a:schemeClr>
+                </a:solidFill>
+              </a:rPr>
+              <a:t>fost</a:t>
+            </a:r>
+            <a:r>
+              <a:rPr lang="en-US" dirty="0" smtClean="0">
+                <a:solidFill>
+                  <a:schemeClr val="bg1">
+                    <a:lumMod val="85000"/>
+                  </a:schemeClr>
+                </a:solidFill>
+              </a:rPr>
+              <a:t> </a:t>
+            </a:r>
+            <a:r>
+              <a:rPr lang="en-US" dirty="0" err="1" smtClean="0">
+                <a:solidFill>
+                  <a:schemeClr val="bg1">
+                    <a:lumMod val="85000"/>
+                  </a:schemeClr>
+                </a:solidFill>
+              </a:rPr>
+              <a:t>reprezentat</a:t>
+            </a:r>
+            <a:r>
+              <a:rPr lang="en-US" dirty="0" smtClean="0">
+                <a:solidFill>
+                  <a:schemeClr val="bg1">
+                    <a:lumMod val="85000"/>
+                  </a:schemeClr>
+                </a:solidFill>
+              </a:rPr>
+              <a:t> de </a:t>
+            </a:r>
+            <a:r>
+              <a:rPr lang="en-US" dirty="0" err="1" smtClean="0">
+                <a:solidFill>
+                  <a:schemeClr val="bg1">
+                    <a:lumMod val="85000"/>
+                  </a:schemeClr>
+                </a:solidFill>
+              </a:rPr>
+              <a:t>cele</a:t>
+            </a:r>
+            <a:r>
+              <a:rPr lang="en-US" dirty="0" smtClean="0">
+                <a:solidFill>
+                  <a:schemeClr val="bg1">
+                    <a:lumMod val="85000"/>
+                  </a:schemeClr>
+                </a:solidFill>
+              </a:rPr>
+              <a:t> </a:t>
+            </a:r>
+            <a:r>
+              <a:rPr lang="en-US" dirty="0" err="1" smtClean="0">
+                <a:solidFill>
+                  <a:schemeClr val="bg1">
+                    <a:lumMod val="85000"/>
+                  </a:schemeClr>
+                </a:solidFill>
+              </a:rPr>
+              <a:t>doua</a:t>
+            </a:r>
+            <a:r>
+              <a:rPr lang="en-US" dirty="0" smtClean="0">
+                <a:solidFill>
+                  <a:schemeClr val="bg1">
+                    <a:lumMod val="85000"/>
+                  </a:schemeClr>
+                </a:solidFill>
+              </a:rPr>
+              <a:t> </a:t>
+            </a:r>
+            <a:r>
+              <a:rPr lang="en-US" dirty="0" err="1" smtClean="0">
+                <a:solidFill>
+                  <a:schemeClr val="bg1">
+                    <a:lumMod val="85000"/>
+                  </a:schemeClr>
+                </a:solidFill>
+              </a:rPr>
+              <a:t>cozi</a:t>
+            </a:r>
+            <a:r>
+              <a:rPr lang="en-US" dirty="0" smtClean="0">
+                <a:solidFill>
+                  <a:schemeClr val="bg1">
+                    <a:lumMod val="85000"/>
+                  </a:schemeClr>
+                </a:solidFill>
+              </a:rPr>
+              <a:t>: hp-</a:t>
+            </a:r>
+            <a:r>
+              <a:rPr lang="en-US" dirty="0" err="1" smtClean="0">
+                <a:solidFill>
+                  <a:schemeClr val="bg1">
+                    <a:lumMod val="85000"/>
+                  </a:schemeClr>
+                </a:solidFill>
+              </a:rPr>
+              <a:t>sl.q</a:t>
+            </a:r>
+            <a:r>
+              <a:rPr lang="en-US" dirty="0" smtClean="0">
+                <a:solidFill>
+                  <a:schemeClr val="bg1">
+                    <a:lumMod val="85000"/>
+                  </a:schemeClr>
+                </a:solidFill>
+              </a:rPr>
+              <a:t> </a:t>
+            </a:r>
+            <a:r>
+              <a:rPr lang="en-US" dirty="0" err="1" smtClean="0">
+                <a:solidFill>
+                  <a:schemeClr val="bg1">
+                    <a:lumMod val="85000"/>
+                  </a:schemeClr>
+                </a:solidFill>
+              </a:rPr>
+              <a:t>si</a:t>
+            </a:r>
+            <a:r>
+              <a:rPr lang="en-US" dirty="0" smtClean="0">
+                <a:solidFill>
+                  <a:schemeClr val="bg1">
+                    <a:lumMod val="85000"/>
+                  </a:schemeClr>
+                </a:solidFill>
+              </a:rPr>
+              <a:t> </a:t>
+            </a:r>
+            <a:r>
+              <a:rPr lang="en-US" dirty="0" err="1" smtClean="0">
+                <a:solidFill>
+                  <a:schemeClr val="bg1">
+                    <a:lumMod val="85000"/>
+                  </a:schemeClr>
+                </a:solidFill>
+              </a:rPr>
+              <a:t>ibm-dp.q</a:t>
+            </a:r>
+            <a:r>
+              <a:rPr lang="en-US" dirty="0" smtClean="0">
+                <a:solidFill>
+                  <a:schemeClr val="bg1">
+                    <a:lumMod val="85000"/>
+                  </a:schemeClr>
+                </a:solidFill>
+              </a:rPr>
+              <a:t>.</a:t>
+            </a:r>
+          </a:p>
+          <a:p>
+            <a:r>
+              <a:rPr lang="en-US" dirty="0" err="1" smtClean="0">
+                <a:solidFill>
+                  <a:schemeClr val="bg1">
+                    <a:lumMod val="85000"/>
+                  </a:schemeClr>
+                </a:solidFill>
+              </a:rPr>
+              <a:t>Varianta</a:t>
+            </a:r>
+            <a:r>
+              <a:rPr lang="en-US" dirty="0" smtClean="0">
+                <a:solidFill>
+                  <a:schemeClr val="bg1">
+                    <a:lumMod val="85000"/>
+                  </a:schemeClr>
+                </a:solidFill>
+              </a:rPr>
+              <a:t> </a:t>
+            </a:r>
+            <a:r>
+              <a:rPr lang="en-US" dirty="0" err="1" smtClean="0">
+                <a:solidFill>
+                  <a:schemeClr val="bg1">
+                    <a:lumMod val="85000"/>
+                  </a:schemeClr>
+                </a:solidFill>
+              </a:rPr>
+              <a:t>openmp</a:t>
+            </a:r>
+            <a:r>
+              <a:rPr lang="en-US" dirty="0" smtClean="0">
+                <a:solidFill>
+                  <a:schemeClr val="bg1">
+                    <a:lumMod val="85000"/>
+                  </a:schemeClr>
+                </a:solidFill>
+              </a:rPr>
+              <a:t> </a:t>
+            </a:r>
+            <a:r>
+              <a:rPr lang="en-US" dirty="0" err="1" smtClean="0">
+                <a:solidFill>
+                  <a:schemeClr val="bg1">
+                    <a:lumMod val="85000"/>
+                  </a:schemeClr>
+                </a:solidFill>
+              </a:rPr>
+              <a:t>este</a:t>
+            </a:r>
+            <a:r>
+              <a:rPr lang="en-US" dirty="0" smtClean="0">
+                <a:solidFill>
+                  <a:schemeClr val="bg1">
+                    <a:lumMod val="85000"/>
+                  </a:schemeClr>
+                </a:solidFill>
+              </a:rPr>
+              <a:t> </a:t>
+            </a:r>
+            <a:r>
+              <a:rPr lang="en-US" dirty="0" err="1" smtClean="0">
+                <a:solidFill>
+                  <a:schemeClr val="bg1">
+                    <a:lumMod val="85000"/>
+                  </a:schemeClr>
+                </a:solidFill>
+              </a:rPr>
+              <a:t>mai</a:t>
+            </a:r>
+            <a:r>
+              <a:rPr lang="en-US" dirty="0" smtClean="0">
+                <a:solidFill>
+                  <a:schemeClr val="bg1">
+                    <a:lumMod val="85000"/>
+                  </a:schemeClr>
+                </a:solidFill>
+              </a:rPr>
+              <a:t> </a:t>
+            </a:r>
+            <a:r>
+              <a:rPr lang="en-US" dirty="0" err="1" smtClean="0">
+                <a:solidFill>
+                  <a:schemeClr val="bg1">
+                    <a:lumMod val="85000"/>
+                  </a:schemeClr>
+                </a:solidFill>
+              </a:rPr>
+              <a:t>rapida</a:t>
+            </a:r>
+            <a:r>
+              <a:rPr lang="en-US" dirty="0" smtClean="0">
+                <a:solidFill>
+                  <a:schemeClr val="bg1">
+                    <a:lumMod val="85000"/>
+                  </a:schemeClr>
+                </a:solidFill>
+              </a:rPr>
+              <a:t> </a:t>
+            </a:r>
+            <a:r>
+              <a:rPr lang="en-US" dirty="0" err="1" smtClean="0">
+                <a:solidFill>
+                  <a:schemeClr val="bg1">
+                    <a:lumMod val="85000"/>
+                  </a:schemeClr>
+                </a:solidFill>
+              </a:rPr>
+              <a:t>decat</a:t>
+            </a:r>
+            <a:r>
+              <a:rPr lang="en-US" dirty="0" smtClean="0">
+                <a:solidFill>
+                  <a:schemeClr val="bg1">
+                    <a:lumMod val="85000"/>
+                  </a:schemeClr>
+                </a:solidFill>
+              </a:rPr>
+              <a:t> </a:t>
+            </a:r>
+            <a:r>
+              <a:rPr lang="en-US" dirty="0" err="1" smtClean="0">
+                <a:solidFill>
+                  <a:schemeClr val="bg1">
+                    <a:lumMod val="85000"/>
+                  </a:schemeClr>
+                </a:solidFill>
+              </a:rPr>
+              <a:t>cea</a:t>
+            </a:r>
+            <a:r>
+              <a:rPr lang="en-US" dirty="0" smtClean="0">
+                <a:solidFill>
+                  <a:schemeClr val="bg1">
+                    <a:lumMod val="85000"/>
+                  </a:schemeClr>
+                </a:solidFill>
+              </a:rPr>
+              <a:t> cu </a:t>
+            </a:r>
+            <a:r>
+              <a:rPr lang="en-US" dirty="0" err="1" smtClean="0">
+                <a:solidFill>
+                  <a:schemeClr val="bg1">
+                    <a:lumMod val="85000"/>
+                  </a:schemeClr>
+                </a:solidFill>
+              </a:rPr>
+              <a:t>threaduri</a:t>
+            </a:r>
+            <a:r>
+              <a:rPr lang="en-US" dirty="0" smtClean="0">
+                <a:solidFill>
+                  <a:schemeClr val="bg1">
+                    <a:lumMod val="85000"/>
+                  </a:schemeClr>
+                </a:solidFill>
+              </a:rPr>
+              <a:t>, </a:t>
+            </a:r>
+            <a:r>
+              <a:rPr lang="en-US" dirty="0" err="1" smtClean="0">
+                <a:solidFill>
+                  <a:schemeClr val="bg1">
+                    <a:lumMod val="85000"/>
+                  </a:schemeClr>
+                </a:solidFill>
+              </a:rPr>
+              <a:t>dat</a:t>
+            </a:r>
+            <a:r>
+              <a:rPr lang="en-US" dirty="0" smtClean="0">
+                <a:solidFill>
+                  <a:schemeClr val="bg1">
+                    <a:lumMod val="85000"/>
+                  </a:schemeClr>
+                </a:solidFill>
+              </a:rPr>
+              <a:t> </a:t>
+            </a:r>
+            <a:r>
+              <a:rPr lang="en-US" dirty="0" err="1" smtClean="0">
+                <a:solidFill>
+                  <a:schemeClr val="bg1">
+                    <a:lumMod val="85000"/>
+                  </a:schemeClr>
+                </a:solidFill>
+              </a:rPr>
+              <a:t>fiind</a:t>
+            </a:r>
+            <a:r>
+              <a:rPr lang="en-US" dirty="0" smtClean="0">
+                <a:solidFill>
+                  <a:schemeClr val="bg1">
+                    <a:lumMod val="85000"/>
+                  </a:schemeClr>
+                </a:solidFill>
+              </a:rPr>
+              <a:t> </a:t>
+            </a:r>
+            <a:r>
+              <a:rPr lang="en-US" dirty="0" err="1" smtClean="0">
+                <a:solidFill>
+                  <a:schemeClr val="bg1">
+                    <a:lumMod val="85000"/>
+                  </a:schemeClr>
+                </a:solidFill>
+              </a:rPr>
+              <a:t>faptul</a:t>
+            </a:r>
+            <a:r>
+              <a:rPr lang="en-US" dirty="0" smtClean="0">
+                <a:solidFill>
+                  <a:schemeClr val="bg1">
+                    <a:lumMod val="85000"/>
+                  </a:schemeClr>
+                </a:solidFill>
+              </a:rPr>
+              <a:t> ca in </a:t>
+            </a:r>
+            <a:r>
+              <a:rPr lang="en-US" dirty="0" err="1" smtClean="0">
+                <a:solidFill>
+                  <a:schemeClr val="bg1">
+                    <a:lumMod val="85000"/>
+                  </a:schemeClr>
+                </a:solidFill>
+              </a:rPr>
+              <a:t>varianta</a:t>
+            </a:r>
+            <a:r>
+              <a:rPr lang="en-US" dirty="0" smtClean="0">
+                <a:solidFill>
+                  <a:schemeClr val="bg1">
+                    <a:lumMod val="85000"/>
+                  </a:schemeClr>
+                </a:solidFill>
+              </a:rPr>
+              <a:t> </a:t>
+            </a:r>
+            <a:r>
+              <a:rPr lang="en-US" dirty="0" err="1" smtClean="0">
+                <a:solidFill>
+                  <a:schemeClr val="bg1">
+                    <a:lumMod val="85000"/>
+                  </a:schemeClr>
+                </a:solidFill>
+              </a:rPr>
+              <a:t>pthreads</a:t>
+            </a:r>
+            <a:r>
+              <a:rPr lang="en-US" dirty="0" smtClean="0">
+                <a:solidFill>
+                  <a:schemeClr val="bg1">
+                    <a:lumMod val="85000"/>
+                  </a:schemeClr>
+                </a:solidFill>
+              </a:rPr>
+              <a:t> </a:t>
+            </a:r>
+            <a:r>
+              <a:rPr lang="en-US" dirty="0" err="1" smtClean="0">
+                <a:solidFill>
+                  <a:schemeClr val="bg1">
+                    <a:lumMod val="85000"/>
+                  </a:schemeClr>
+                </a:solidFill>
+              </a:rPr>
+              <a:t>sincronizarile</a:t>
+            </a:r>
+            <a:r>
+              <a:rPr lang="en-US" dirty="0" smtClean="0">
+                <a:solidFill>
+                  <a:schemeClr val="bg1">
+                    <a:lumMod val="85000"/>
+                  </a:schemeClr>
+                </a:solidFill>
+              </a:rPr>
+              <a:t> </a:t>
+            </a:r>
+            <a:r>
+              <a:rPr lang="en-US" dirty="0" err="1" smtClean="0">
+                <a:solidFill>
+                  <a:schemeClr val="bg1">
+                    <a:lumMod val="85000"/>
+                  </a:schemeClr>
+                </a:solidFill>
+              </a:rPr>
+              <a:t>prin</a:t>
+            </a:r>
+            <a:r>
+              <a:rPr lang="en-US" dirty="0" smtClean="0">
+                <a:solidFill>
+                  <a:schemeClr val="bg1">
+                    <a:lumMod val="85000"/>
+                  </a:schemeClr>
+                </a:solidFill>
+              </a:rPr>
+              <a:t> wait()-</a:t>
+            </a:r>
+            <a:r>
+              <a:rPr lang="en-US" dirty="0" err="1" smtClean="0">
+                <a:solidFill>
+                  <a:schemeClr val="bg1">
+                    <a:lumMod val="85000"/>
+                  </a:schemeClr>
+                </a:solidFill>
+              </a:rPr>
+              <a:t>uri</a:t>
+            </a:r>
+            <a:r>
+              <a:rPr lang="en-US" dirty="0" smtClean="0">
+                <a:solidFill>
+                  <a:schemeClr val="bg1">
+                    <a:lumMod val="85000"/>
+                  </a:schemeClr>
+                </a:solidFill>
+              </a:rPr>
+              <a:t> de </a:t>
+            </a:r>
+            <a:r>
+              <a:rPr lang="en-US" dirty="0" err="1" smtClean="0">
+                <a:solidFill>
+                  <a:schemeClr val="bg1">
+                    <a:lumMod val="85000"/>
+                  </a:schemeClr>
+                </a:solidFill>
+              </a:rPr>
+              <a:t>bariera</a:t>
+            </a:r>
+            <a:r>
+              <a:rPr lang="en-US" dirty="0" smtClean="0">
+                <a:solidFill>
+                  <a:schemeClr val="bg1">
+                    <a:lumMod val="85000"/>
+                  </a:schemeClr>
+                </a:solidFill>
+              </a:rPr>
+              <a:t> </a:t>
+            </a:r>
+            <a:r>
+              <a:rPr lang="en-US" dirty="0" err="1" smtClean="0">
+                <a:solidFill>
+                  <a:schemeClr val="bg1">
+                    <a:lumMod val="85000"/>
+                  </a:schemeClr>
+                </a:solidFill>
+              </a:rPr>
+              <a:t>sunt</a:t>
+            </a:r>
+            <a:r>
+              <a:rPr lang="en-US" dirty="0" smtClean="0">
+                <a:solidFill>
+                  <a:schemeClr val="bg1">
+                    <a:lumMod val="85000"/>
+                  </a:schemeClr>
+                </a:solidFill>
+              </a:rPr>
+              <a:t> </a:t>
+            </a:r>
+            <a:r>
+              <a:rPr lang="en-US" dirty="0" err="1" smtClean="0">
+                <a:solidFill>
+                  <a:schemeClr val="bg1">
+                    <a:lumMod val="85000"/>
+                  </a:schemeClr>
+                </a:solidFill>
+              </a:rPr>
+              <a:t>costisitoare</a:t>
+            </a:r>
+            <a:r>
+              <a:rPr lang="en-US" dirty="0" smtClean="0">
+                <a:solidFill>
+                  <a:schemeClr val="bg1">
+                    <a:lumMod val="85000"/>
+                  </a:schemeClr>
+                </a:solidFill>
+              </a:rPr>
+              <a:t>.</a:t>
+            </a:r>
+          </a:p>
+          <a:p>
+            <a:r>
+              <a:rPr lang="en-US" dirty="0" smtClean="0">
+                <a:solidFill>
+                  <a:schemeClr val="bg1">
+                    <a:lumMod val="85000"/>
+                  </a:schemeClr>
+                </a:solidFill>
+              </a:rPr>
+              <a:t>Se </a:t>
+            </a:r>
+            <a:r>
+              <a:rPr lang="en-US" dirty="0" err="1" smtClean="0">
+                <a:solidFill>
+                  <a:schemeClr val="bg1">
+                    <a:lumMod val="85000"/>
+                  </a:schemeClr>
+                </a:solidFill>
+              </a:rPr>
+              <a:t>observa</a:t>
+            </a:r>
+            <a:r>
+              <a:rPr lang="en-US" dirty="0" smtClean="0">
+                <a:solidFill>
+                  <a:schemeClr val="bg1">
+                    <a:lumMod val="85000"/>
+                  </a:schemeClr>
+                </a:solidFill>
+              </a:rPr>
+              <a:t> ca </a:t>
+            </a:r>
+            <a:r>
+              <a:rPr lang="en-US" dirty="0" err="1" smtClean="0">
+                <a:solidFill>
+                  <a:schemeClr val="bg1">
+                    <a:lumMod val="85000"/>
+                  </a:schemeClr>
+                </a:solidFill>
+              </a:rPr>
+              <a:t>exista</a:t>
+            </a:r>
+            <a:r>
+              <a:rPr lang="en-US" dirty="0" smtClean="0">
+                <a:solidFill>
+                  <a:schemeClr val="bg1">
+                    <a:lumMod val="85000"/>
+                  </a:schemeClr>
+                </a:solidFill>
+              </a:rPr>
+              <a:t> </a:t>
+            </a:r>
+            <a:r>
+              <a:rPr lang="en-US" dirty="0" err="1" smtClean="0">
+                <a:solidFill>
+                  <a:schemeClr val="bg1">
+                    <a:lumMod val="85000"/>
+                  </a:schemeClr>
+                </a:solidFill>
+              </a:rPr>
+              <a:t>imbunatatiri</a:t>
+            </a:r>
+            <a:r>
+              <a:rPr lang="en-US" dirty="0" smtClean="0">
+                <a:solidFill>
+                  <a:schemeClr val="bg1">
+                    <a:lumMod val="85000"/>
+                  </a:schemeClr>
+                </a:solidFill>
+              </a:rPr>
+              <a:t> la </a:t>
+            </a:r>
+            <a:r>
+              <a:rPr lang="en-US" dirty="0" err="1" smtClean="0">
+                <a:solidFill>
+                  <a:schemeClr val="bg1">
+                    <a:lumMod val="85000"/>
+                  </a:schemeClr>
+                </a:solidFill>
+              </a:rPr>
+              <a:t>timpi</a:t>
+            </a:r>
+            <a:r>
+              <a:rPr lang="en-US" dirty="0" smtClean="0">
+                <a:solidFill>
+                  <a:schemeClr val="bg1">
+                    <a:lumMod val="85000"/>
+                  </a:schemeClr>
+                </a:solidFill>
+              </a:rPr>
+              <a:t> </a:t>
+            </a:r>
+            <a:r>
+              <a:rPr lang="en-US" dirty="0" err="1" smtClean="0">
+                <a:solidFill>
+                  <a:schemeClr val="bg1">
+                    <a:lumMod val="85000"/>
+                  </a:schemeClr>
+                </a:solidFill>
+              </a:rPr>
+              <a:t>pana</a:t>
+            </a:r>
+            <a:r>
+              <a:rPr lang="en-US" dirty="0" smtClean="0">
+                <a:solidFill>
+                  <a:schemeClr val="bg1">
+                    <a:lumMod val="85000"/>
+                  </a:schemeClr>
+                </a:solidFill>
+              </a:rPr>
+              <a:t> la 12 </a:t>
+            </a:r>
+            <a:r>
+              <a:rPr lang="en-US" dirty="0" err="1" smtClean="0">
+                <a:solidFill>
+                  <a:schemeClr val="bg1">
+                    <a:lumMod val="85000"/>
+                  </a:schemeClr>
+                </a:solidFill>
+              </a:rPr>
+              <a:t>threaduri</a:t>
+            </a:r>
+            <a:r>
+              <a:rPr lang="en-US" dirty="0" smtClean="0">
+                <a:solidFill>
+                  <a:schemeClr val="bg1">
+                    <a:lumMod val="85000"/>
+                  </a:schemeClr>
+                </a:solidFill>
+              </a:rPr>
+              <a:t>, </a:t>
+            </a:r>
+            <a:r>
+              <a:rPr lang="en-US" dirty="0" err="1" smtClean="0">
+                <a:solidFill>
+                  <a:schemeClr val="bg1">
+                    <a:lumMod val="85000"/>
+                  </a:schemeClr>
+                </a:solidFill>
+              </a:rPr>
+              <a:t>dupa</a:t>
+            </a:r>
+            <a:r>
+              <a:rPr lang="en-US" dirty="0" smtClean="0">
+                <a:solidFill>
+                  <a:schemeClr val="bg1">
+                    <a:lumMod val="85000"/>
+                  </a:schemeClr>
+                </a:solidFill>
+              </a:rPr>
+              <a:t> </a:t>
+            </a:r>
+            <a:r>
+              <a:rPr lang="en-US" dirty="0" err="1" smtClean="0">
+                <a:solidFill>
+                  <a:schemeClr val="bg1">
+                    <a:lumMod val="85000"/>
+                  </a:schemeClr>
+                </a:solidFill>
+              </a:rPr>
+              <a:t>timpul</a:t>
+            </a:r>
+            <a:r>
+              <a:rPr lang="en-US" dirty="0" smtClean="0">
+                <a:solidFill>
+                  <a:schemeClr val="bg1">
+                    <a:lumMod val="85000"/>
+                  </a:schemeClr>
+                </a:solidFill>
+              </a:rPr>
+              <a:t> </a:t>
+            </a:r>
+            <a:r>
+              <a:rPr lang="en-US" dirty="0" err="1" smtClean="0">
+                <a:solidFill>
+                  <a:schemeClr val="bg1">
+                    <a:lumMod val="85000"/>
+                  </a:schemeClr>
+                </a:solidFill>
+              </a:rPr>
+              <a:t>ramane</a:t>
+            </a:r>
+            <a:r>
+              <a:rPr lang="en-US" dirty="0" smtClean="0">
+                <a:solidFill>
+                  <a:schemeClr val="bg1">
+                    <a:lumMod val="85000"/>
+                  </a:schemeClr>
+                </a:solidFill>
+              </a:rPr>
+              <a:t> la </a:t>
+            </a:r>
+            <a:r>
+              <a:rPr lang="en-US" dirty="0" err="1" smtClean="0">
+                <a:solidFill>
+                  <a:schemeClr val="bg1">
+                    <a:lumMod val="85000"/>
+                  </a:schemeClr>
+                </a:solidFill>
+              </a:rPr>
+              <a:t>fel</a:t>
+            </a:r>
+            <a:r>
+              <a:rPr lang="en-US" dirty="0" smtClean="0">
+                <a:solidFill>
+                  <a:schemeClr val="bg1">
+                    <a:lumMod val="85000"/>
+                  </a:schemeClr>
+                </a:solidFill>
+              </a:rPr>
+              <a:t> </a:t>
+            </a:r>
+            <a:r>
+              <a:rPr lang="en-US" dirty="0" err="1" smtClean="0">
+                <a:solidFill>
+                  <a:schemeClr val="bg1">
+                    <a:lumMod val="85000"/>
+                  </a:schemeClr>
+                </a:solidFill>
+              </a:rPr>
+              <a:t>sau</a:t>
+            </a:r>
+            <a:r>
+              <a:rPr lang="en-US" dirty="0" smtClean="0">
+                <a:solidFill>
+                  <a:schemeClr val="bg1">
+                    <a:lumMod val="85000"/>
+                  </a:schemeClr>
+                </a:solidFill>
+              </a:rPr>
+              <a:t> </a:t>
+            </a:r>
+            <a:r>
+              <a:rPr lang="en-US" dirty="0" err="1" smtClean="0">
+                <a:solidFill>
+                  <a:schemeClr val="bg1">
+                    <a:lumMod val="85000"/>
+                  </a:schemeClr>
+                </a:solidFill>
+              </a:rPr>
+              <a:t>creste</a:t>
+            </a:r>
+            <a:r>
+              <a:rPr lang="en-US" dirty="0" smtClean="0">
+                <a:solidFill>
+                  <a:schemeClr val="bg1">
+                    <a:lumMod val="85000"/>
+                  </a:schemeClr>
+                </a:solidFill>
+              </a:rPr>
+              <a:t> </a:t>
+            </a:r>
+            <a:r>
+              <a:rPr lang="en-US" dirty="0" err="1" smtClean="0">
+                <a:solidFill>
+                  <a:schemeClr val="bg1">
+                    <a:lumMod val="85000"/>
+                  </a:schemeClr>
+                </a:solidFill>
+              </a:rPr>
+              <a:t>usor</a:t>
+            </a:r>
+            <a:r>
+              <a:rPr lang="en-US" dirty="0" smtClean="0">
+                <a:solidFill>
+                  <a:schemeClr val="bg1">
+                    <a:lumMod val="85000"/>
+                  </a:schemeClr>
+                </a:solidFill>
+              </a:rPr>
+              <a:t>.</a:t>
+            </a:r>
+          </a:p>
+          <a:p>
+            <a:r>
+              <a:rPr lang="en-US" dirty="0" err="1" smtClean="0">
+                <a:solidFill>
+                  <a:schemeClr val="bg1">
+                    <a:lumMod val="85000"/>
+                  </a:schemeClr>
+                </a:solidFill>
+              </a:rPr>
+              <a:t>Pe</a:t>
+            </a:r>
+            <a:r>
+              <a:rPr lang="en-US" dirty="0" smtClean="0">
+                <a:solidFill>
+                  <a:schemeClr val="bg1">
+                    <a:lumMod val="85000"/>
+                  </a:schemeClr>
+                </a:solidFill>
+              </a:rPr>
+              <a:t> </a:t>
+            </a:r>
+            <a:r>
+              <a:rPr lang="en-US" dirty="0" err="1" smtClean="0">
+                <a:solidFill>
+                  <a:schemeClr val="bg1">
+                    <a:lumMod val="85000"/>
+                  </a:schemeClr>
+                </a:solidFill>
+              </a:rPr>
+              <a:t>coada</a:t>
+            </a:r>
+            <a:r>
+              <a:rPr lang="en-US" dirty="0" smtClean="0">
+                <a:solidFill>
+                  <a:schemeClr val="bg1">
+                    <a:lumMod val="85000"/>
+                  </a:schemeClr>
+                </a:solidFill>
+              </a:rPr>
+              <a:t> hp-</a:t>
+            </a:r>
+            <a:r>
+              <a:rPr lang="en-US" dirty="0" err="1" smtClean="0">
+                <a:solidFill>
+                  <a:schemeClr val="bg1">
+                    <a:lumMod val="85000"/>
+                  </a:schemeClr>
+                </a:solidFill>
+              </a:rPr>
+              <a:t>sl.q</a:t>
+            </a:r>
+            <a:r>
+              <a:rPr lang="en-US" dirty="0" smtClean="0">
+                <a:solidFill>
+                  <a:schemeClr val="bg1">
+                    <a:lumMod val="85000"/>
+                  </a:schemeClr>
+                </a:solidFill>
+              </a:rPr>
+              <a:t> </a:t>
+            </a:r>
+            <a:r>
+              <a:rPr lang="en-US" dirty="0" err="1" smtClean="0">
+                <a:solidFill>
+                  <a:schemeClr val="bg1">
+                    <a:lumMod val="85000"/>
+                  </a:schemeClr>
+                </a:solidFill>
+              </a:rPr>
+              <a:t>timpii</a:t>
+            </a:r>
+            <a:r>
+              <a:rPr lang="en-US" dirty="0" smtClean="0">
+                <a:solidFill>
+                  <a:schemeClr val="bg1">
+                    <a:lumMod val="85000"/>
+                  </a:schemeClr>
+                </a:solidFill>
+              </a:rPr>
+              <a:t> </a:t>
+            </a:r>
+            <a:r>
+              <a:rPr lang="en-US" dirty="0" err="1" smtClean="0">
+                <a:solidFill>
+                  <a:schemeClr val="bg1">
+                    <a:lumMod val="85000"/>
+                  </a:schemeClr>
+                </a:solidFill>
+              </a:rPr>
+              <a:t>sunt</a:t>
+            </a:r>
+            <a:r>
+              <a:rPr lang="en-US" dirty="0" smtClean="0">
+                <a:solidFill>
+                  <a:schemeClr val="bg1">
+                    <a:lumMod val="85000"/>
+                  </a:schemeClr>
+                </a:solidFill>
+              </a:rPr>
+              <a:t> </a:t>
+            </a:r>
+            <a:r>
+              <a:rPr lang="en-US" dirty="0" err="1" smtClean="0">
+                <a:solidFill>
+                  <a:schemeClr val="bg1">
+                    <a:lumMod val="85000"/>
+                  </a:schemeClr>
+                </a:solidFill>
+              </a:rPr>
+              <a:t>mai</a:t>
+            </a:r>
+            <a:r>
+              <a:rPr lang="en-US" dirty="0" smtClean="0">
+                <a:solidFill>
+                  <a:schemeClr val="bg1">
+                    <a:lumMod val="85000"/>
+                  </a:schemeClr>
+                </a:solidFill>
+              </a:rPr>
+              <a:t> </a:t>
+            </a:r>
+            <a:r>
+              <a:rPr lang="en-US" dirty="0" err="1" smtClean="0">
+                <a:solidFill>
+                  <a:schemeClr val="bg1">
+                    <a:lumMod val="85000"/>
+                  </a:schemeClr>
+                </a:solidFill>
+              </a:rPr>
+              <a:t>mici</a:t>
+            </a:r>
+            <a:r>
+              <a:rPr lang="en-US" dirty="0" smtClean="0">
+                <a:solidFill>
+                  <a:schemeClr val="bg1">
+                    <a:lumMod val="85000"/>
+                  </a:schemeClr>
+                </a:solidFill>
+              </a:rPr>
+              <a:t>.</a:t>
+            </a:r>
+          </a:p>
+          <a:p>
+            <a:endParaRPr lang="en-US" dirty="0" smtClean="0">
+              <a:solidFill>
+                <a:schemeClr val="bg1">
+                  <a:lumMod val="85000"/>
+                </a:schemeClr>
+              </a:solidFill>
+            </a:endParaRPr>
+          </a:p>
+          <a:p>
+            <a:pPr>
+              <a:buNone/>
+            </a:pPr>
+            <a:endParaRPr lang="en-US" dirty="0" smtClean="0">
+              <a:solidFill>
+                <a:schemeClr val="bg1">
+                  <a:lumMod val="85000"/>
+                </a:schemeClr>
+              </a:solidFill>
+            </a:endParaRPr>
+          </a:p>
+        </p:txBody>
+      </p:sp>
+    </p:spTree>
+  </p:cSld>
+  <p:clrMapOvr>
+    <a:masterClrMapping/>
+  </p:clrMapOvr>
+  <p:transition/>
+  <p:timing>
+    <p:tnLst>
+      <p:par>
+        <p:cTn id="1" dur="indefinite" restart="never" nodeType="tmRoot"/>
       </p:par>
     </p:tnLst>
   </p:timing>
@@ -9027,7 +12380,12 @@
             <p:ph type="title"/>
           </p:nvPr>
         </p:nvSpPr>
-        <p:spPr/>
+        <p:spPr>
+          <a:xfrm>
+            <a:off x="609600" y="457200"/>
+            <a:ext cx="10972080" cy="1144440"/>
+          </a:xfrm>
+        </p:spPr>
         <p:txBody>
           <a:bodyPr/>
           <a:lstStyle/>
@@ -9106,6 +12464,37 @@
                 </a:solidFill>
               </a:rPr>
               <a:t>cozi</a:t>
+            </a:r>
+            <a:r>
+              <a:rPr lang="en-US" dirty="0" smtClean="0">
+                <a:solidFill>
+                  <a:srgbClr val="FFC000"/>
+                </a:solidFill>
+              </a:rPr>
+              <a:t/>
+            </a:r>
+            <a:br>
+              <a:rPr lang="en-US" dirty="0" smtClean="0">
+                <a:solidFill>
+                  <a:srgbClr val="FFC000"/>
+                </a:solidFill>
+              </a:rPr>
+            </a:br>
+            <a:r>
+              <a:rPr lang="en-US" dirty="0" smtClean="0">
+                <a:solidFill>
+                  <a:srgbClr val="FFC000"/>
+                </a:solidFill>
+              </a:rPr>
+              <a:t>1</a:t>
+            </a:r>
+            <a:r>
+              <a:rPr lang="en-US" dirty="0" smtClean="0">
+                <a:solidFill>
+                  <a:srgbClr val="FFC000"/>
+                </a:solidFill>
+              </a:rPr>
+              <a:t>000x1000</a:t>
             </a:r>
             <a:endParaRPr lang="en-US" dirty="0">
               <a:solidFill>
@@ -9126,7 +12515,7 @@
           </p:nvPr>
         </p:nvGraphicFramePr>
         <p:xfrm>
-          <a:off x="609600" y="1604963"/>
+          <a:off x="533400" y="2209800"/>
           <a:ext cx="10972800" cy="2595880"/>
         </p:xfrm>
         <a:graphic>
@@ -9146,6 +12535,10 @@
                     <a:bodyPr/>
                     <a:lstStyle/>
                     <a:p>
+                      <a:r>
+                        <a:rPr lang="en-US" dirty="0" smtClean="0"/>
+                        <a:t>1000x1000</a:t>
+                      </a:r>
                       <a:endParaRPr lang="en-US" dirty="0"/>
                     </a:p>
                   </a:txBody>
